--- a/es6/es6.pptx
+++ b/es6/es6.pptx
@@ -5,7 +5,7 @@
     <p:sldMasterId id="2147483648" r:id="rId1"/>
   </p:sldMasterIdLst>
   <p:notesMasterIdLst>
-    <p:notesMasterId r:id="rId8"/>
+    <p:notesMasterId r:id="rId12"/>
   </p:notesMasterIdLst>
   <p:sldIdLst>
     <p:sldId id="256" r:id="rId2"/>
@@ -13,7 +13,11 @@
     <p:sldId id="298" r:id="rId4"/>
     <p:sldId id="299" r:id="rId5"/>
     <p:sldId id="300" r:id="rId6"/>
-    <p:sldId id="271" r:id="rId7"/>
+    <p:sldId id="301" r:id="rId7"/>
+    <p:sldId id="302" r:id="rId8"/>
+    <p:sldId id="303" r:id="rId9"/>
+    <p:sldId id="304" r:id="rId10"/>
+    <p:sldId id="271" r:id="rId11"/>
   </p:sldIdLst>
   <p:sldSz cx="9144000" cy="6858000" type="screen4x3"/>
   <p:notesSz cx="6858000" cy="9144000"/>
@@ -213,7 +217,7 @@
           <a:p>
             <a:fld id="{436134EC-835B-48D8-BDB5-96D4A8A8ACE7}" type="datetimeFigureOut">
               <a:rPr lang="en-US" smtClean="0"/>
-              <a:t>8/5/2018</a:t>
+              <a:t>8/18/2018</a:t>
             </a:fld>
             <a:endParaRPr lang="en-US"/>
           </a:p>
@@ -673,7 +677,7 @@
           <a:p>
             <a:fld id="{216C5678-EE20-4FA5-88E2-6E0BD67A2E26}" type="datetime1">
               <a:rPr lang="en-US" smtClean="0"/>
-              <a:t>8/5/2018</a:t>
+              <a:t>8/18/2018</a:t>
             </a:fld>
             <a:endParaRPr lang="en-US" dirty="0"/>
           </a:p>
@@ -843,7 +847,7 @@
           <a:p>
             <a:fld id="{EA051B39-B140-43FE-96DB-472A2B59CE7C}" type="datetime1">
               <a:rPr lang="en-US" smtClean="0"/>
-              <a:t>8/5/2018</a:t>
+              <a:t>8/18/2018</a:t>
             </a:fld>
             <a:endParaRPr lang="en-US"/>
           </a:p>
@@ -1023,7 +1027,7 @@
           <a:p>
             <a:fld id="{DA600BB2-27C5-458B-ABCE-839C88CF47CE}" type="datetime1">
               <a:rPr lang="en-US" smtClean="0"/>
-              <a:t>8/5/2018</a:t>
+              <a:t>8/18/2018</a:t>
             </a:fld>
             <a:endParaRPr lang="en-US"/>
           </a:p>
@@ -1211,7 +1215,7 @@
           <a:p>
             <a:fld id="{B11D738E-8962-435F-8C43-147B8DD7E819}" type="datetime1">
               <a:rPr lang="en-US" smtClean="0"/>
-              <a:t>8/5/2018</a:t>
+              <a:t>8/18/2018</a:t>
             </a:fld>
             <a:endParaRPr lang="en-US"/>
           </a:p>
@@ -1478,7 +1482,7 @@
           <a:p>
             <a:fld id="{09CAEA93-55E7-4DA9-90C2-089A26EEFEC4}" type="datetime1">
               <a:rPr lang="en-US" smtClean="0"/>
-              <a:t>8/5/2018</a:t>
+              <a:t>8/18/2018</a:t>
             </a:fld>
             <a:endParaRPr lang="en-US"/>
           </a:p>
@@ -1831,7 +1835,7 @@
           <a:p>
             <a:fld id="{E34CF3C7-6809-4F39-BD67-A75817BDDE0A}" type="datetime1">
               <a:rPr lang="en-US" smtClean="0"/>
-              <a:t>8/5/2018</a:t>
+              <a:t>8/18/2018</a:t>
             </a:fld>
             <a:endParaRPr lang="en-US"/>
           </a:p>
@@ -2144,7 +2148,7 @@
           <a:p>
             <a:fld id="{F7EAEB24-CE78-465C-A726-91D0868FA48F}" type="datetime1">
               <a:rPr lang="en-US" smtClean="0"/>
-              <a:t>8/5/2018</a:t>
+              <a:t>8/18/2018</a:t>
             </a:fld>
             <a:endParaRPr lang="en-US"/>
           </a:p>
@@ -2376,7 +2380,7 @@
           <a:p>
             <a:fld id="{40BAADF0-1749-4E8B-9691-B44A5F8C0895}" type="datetime1">
               <a:rPr lang="en-US" smtClean="0"/>
-              <a:t>8/5/2018</a:t>
+              <a:t>8/18/2018</a:t>
             </a:fld>
             <a:endParaRPr lang="en-US"/>
           </a:p>
@@ -2471,7 +2475,7 @@
           <a:p>
             <a:fld id="{A8AF628A-A867-4937-BBE5-207DB6F9C51A}" type="datetime1">
               <a:rPr lang="en-US" smtClean="0"/>
-              <a:t>8/5/2018</a:t>
+              <a:t>8/18/2018</a:t>
             </a:fld>
             <a:endParaRPr lang="en-US"/>
           </a:p>
@@ -2764,7 +2768,7 @@
           <a:p>
             <a:fld id="{118BBB94-68E6-4675-A946-F1C5994EDBD7}" type="datetime1">
               <a:rPr lang="en-US" smtClean="0"/>
-              <a:t>8/5/2018</a:t>
+              <a:t>8/18/2018</a:t>
             </a:fld>
             <a:endParaRPr lang="en-US"/>
           </a:p>
@@ -3038,7 +3042,7 @@
           <a:p>
             <a:fld id="{DC3B8377-21E3-4835-B75D-4E2847E2750F}" type="datetime1">
               <a:rPr lang="en-US" smtClean="0"/>
-              <a:t>8/5/2018</a:t>
+              <a:t>8/18/2018</a:t>
             </a:fld>
             <a:endParaRPr lang="en-US"/>
           </a:p>
@@ -3253,7 +3257,7 @@
           <a:p>
             <a:fld id="{B0C4986D-6BE9-4264-908F-02DB36FD8D6C}" type="datetime1">
               <a:rPr lang="en-US" smtClean="0"/>
-              <a:t>8/5/2018</a:t>
+              <a:t>8/18/2018</a:t>
             </a:fld>
             <a:endParaRPr lang="en-US" dirty="0"/>
           </a:p>
@@ -3841,11 +3845,7 @@
             </a:br>
             <a:r>
               <a:rPr lang="en-US" dirty="0" smtClean="0"/>
-              <a:t>8</a:t>
-            </a:r>
-            <a:r>
-              <a:rPr lang="en-US" dirty="0" smtClean="0"/>
-              <a:t>/10/2018</a:t>
+              <a:t>8/10/2018</a:t>
             </a:r>
             <a:endParaRPr lang="en-US" dirty="0"/>
           </a:p>
@@ -3868,7 +3868,7 @@
           <a:p>
             <a:fld id="{216C5678-EE20-4FA5-88E2-6E0BD67A2E26}" type="datetime1">
               <a:rPr lang="en-US" smtClean="0"/>
-              <a:t>8/5/2018</a:t>
+              <a:t>8/18/2018</a:t>
             </a:fld>
             <a:endParaRPr lang="en-US" dirty="0"/>
           </a:p>
@@ -3925,6 +3925,214 @@
     <p:extLst>
       <p:ext uri="{BB962C8B-B14F-4D97-AF65-F5344CB8AC3E}">
         <p14:creationId xmlns:p14="http://schemas.microsoft.com/office/powerpoint/2010/main" val="872325216"/>
+      </p:ext>
+    </p:extLst>
+  </p:cSld>
+  <p:clrMapOvr>
+    <a:masterClrMapping/>
+  </p:clrMapOvr>
+</p:sld>
+</file>
+
+<file path=ppt/slides/slide10.xml><?xml version="1.0" encoding="utf-8"?>
+<p:sld xmlns:a="http://schemas.openxmlformats.org/drawingml/2006/main" xmlns:r="http://schemas.openxmlformats.org/officeDocument/2006/relationships" xmlns:p="http://schemas.openxmlformats.org/presentationml/2006/main">
+  <p:cSld>
+    <p:spTree>
+      <p:nvGrpSpPr>
+        <p:cNvPr id="1" name=""/>
+        <p:cNvGrpSpPr/>
+        <p:nvPr/>
+      </p:nvGrpSpPr>
+      <p:grpSpPr>
+        <a:xfrm>
+          <a:off x="0" y="0"/>
+          <a:ext cx="0" cy="0"/>
+          <a:chOff x="0" y="0"/>
+          <a:chExt cx="0" cy="0"/>
+        </a:xfrm>
+      </p:grpSpPr>
+      <p:sp>
+        <p:nvSpPr>
+          <p:cNvPr id="2" name="Title 1"/>
+          <p:cNvSpPr>
+            <a:spLocks noGrp="1"/>
+          </p:cNvSpPr>
+          <p:nvPr>
+            <p:ph type="ctrTitle"/>
+          </p:nvPr>
+        </p:nvSpPr>
+        <p:spPr>
+          <a:xfrm>
+            <a:off x="685800" y="228600"/>
+            <a:ext cx="7772400" cy="685800"/>
+          </a:xfrm>
+        </p:spPr>
+        <p:txBody>
+          <a:bodyPr/>
+          <a:lstStyle/>
+          <a:p>
+            <a:pPr algn="l"/>
+            <a:r>
+              <a:rPr lang="en-US" sz="4400" dirty="0" smtClean="0"/>
+              <a:t>Conclusion</a:t>
+            </a:r>
+            <a:endParaRPr lang="en-US" sz="4400" dirty="0"/>
+          </a:p>
+        </p:txBody>
+      </p:sp>
+      <p:sp>
+        <p:nvSpPr>
+          <p:cNvPr id="3" name="Subtitle 2"/>
+          <p:cNvSpPr>
+            <a:spLocks noGrp="1"/>
+          </p:cNvSpPr>
+          <p:nvPr>
+            <p:ph type="subTitle" idx="1"/>
+          </p:nvPr>
+        </p:nvSpPr>
+        <p:spPr>
+          <a:xfrm>
+            <a:off x="659165" y="1143000"/>
+            <a:ext cx="7315200" cy="1676400"/>
+          </a:xfrm>
+        </p:spPr>
+        <p:txBody>
+          <a:bodyPr>
+            <a:noAutofit/>
+          </a:bodyPr>
+          <a:lstStyle/>
+          <a:p>
+            <a:pPr marL="342900" indent="-342900" algn="l">
+              <a:buFont typeface="Arial" panose="020B0604020202020204" pitchFamily="34" charset="0"/>
+              <a:buChar char="•"/>
+            </a:pPr>
+            <a:r>
+              <a:rPr lang="en-US" sz="3200" dirty="0" smtClean="0"/>
+              <a:t>Discussion of </a:t>
+            </a:r>
+            <a:r>
+              <a:rPr lang="en-US" sz="3200" dirty="0" err="1" smtClean="0"/>
+              <a:t>Git</a:t>
+            </a:r>
+            <a:endParaRPr lang="en-US" sz="3200" dirty="0"/>
+          </a:p>
+          <a:p>
+            <a:pPr marL="342900" indent="-342900" algn="l">
+              <a:buFont typeface="Arial" panose="020B0604020202020204" pitchFamily="34" charset="0"/>
+              <a:buChar char="•"/>
+            </a:pPr>
+            <a:r>
+              <a:rPr lang="en-US" sz="3200" dirty="0" err="1" smtClean="0"/>
+              <a:t>GitExtension</a:t>
+            </a:r>
+            <a:r>
+              <a:rPr lang="en-US" sz="3200" dirty="0" smtClean="0"/>
+              <a:t> </a:t>
+            </a:r>
+            <a:r>
+              <a:rPr lang="en-US" sz="3200" dirty="0" err="1" smtClean="0"/>
+              <a:t>git</a:t>
+            </a:r>
+            <a:r>
+              <a:rPr lang="en-US" sz="3200" smtClean="0"/>
+              <a:t> client.</a:t>
+            </a:r>
+            <a:endParaRPr lang="en-US" sz="3200" dirty="0" smtClean="0"/>
+          </a:p>
+          <a:p>
+            <a:pPr marL="342900" indent="-342900" algn="l">
+              <a:buFont typeface="Arial" panose="020B0604020202020204" pitchFamily="34" charset="0"/>
+              <a:buChar char="•"/>
+            </a:pPr>
+            <a:r>
+              <a:rPr lang="en-US" sz="3200" dirty="0" smtClean="0"/>
+              <a:t>Centralized vs Distributed SCM</a:t>
+            </a:r>
+            <a:endParaRPr lang="en-US" sz="2400" dirty="0" smtClean="0"/>
+          </a:p>
+          <a:p>
+            <a:pPr marL="800100" lvl="1" indent="-342900" algn="l">
+              <a:buFontTx/>
+              <a:buChar char="-"/>
+            </a:pPr>
+            <a:endParaRPr lang="en-US" sz="2400" dirty="0"/>
+          </a:p>
+        </p:txBody>
+      </p:sp>
+      <p:sp>
+        <p:nvSpPr>
+          <p:cNvPr id="4" name="Date Placeholder 3"/>
+          <p:cNvSpPr>
+            <a:spLocks noGrp="1"/>
+          </p:cNvSpPr>
+          <p:nvPr>
+            <p:ph type="dt" sz="half" idx="10"/>
+          </p:nvPr>
+        </p:nvSpPr>
+        <p:spPr/>
+        <p:txBody>
+          <a:bodyPr/>
+          <a:lstStyle/>
+          <a:p>
+            <a:fld id="{216C5678-EE20-4FA5-88E2-6E0BD67A2E26}" type="datetime1">
+              <a:rPr lang="en-US" smtClean="0"/>
+              <a:t>8/18/2018</a:t>
+            </a:fld>
+            <a:endParaRPr lang="en-US" dirty="0"/>
+          </a:p>
+        </p:txBody>
+      </p:sp>
+      <p:sp>
+        <p:nvSpPr>
+          <p:cNvPr id="5" name="Slide Number Placeholder 4"/>
+          <p:cNvSpPr>
+            <a:spLocks noGrp="1"/>
+          </p:cNvSpPr>
+          <p:nvPr>
+            <p:ph type="sldNum" sz="quarter" idx="11"/>
+          </p:nvPr>
+        </p:nvSpPr>
+        <p:spPr/>
+        <p:txBody>
+          <a:bodyPr/>
+          <a:lstStyle/>
+          <a:p>
+            <a:fld id="{BA9B540C-44DA-4F69-89C9-7C84606640D3}" type="slidenum">
+              <a:rPr lang="en-US" smtClean="0"/>
+              <a:pPr/>
+              <a:t>10</a:t>
+            </a:fld>
+            <a:endParaRPr lang="en-US" dirty="0"/>
+          </a:p>
+        </p:txBody>
+      </p:sp>
+      <p:sp>
+        <p:nvSpPr>
+          <p:cNvPr id="6" name="Footer Placeholder 5"/>
+          <p:cNvSpPr>
+            <a:spLocks noGrp="1"/>
+          </p:cNvSpPr>
+          <p:nvPr>
+            <p:ph type="ftr" sz="quarter" idx="12"/>
+          </p:nvPr>
+        </p:nvSpPr>
+        <p:spPr/>
+        <p:txBody>
+          <a:bodyPr/>
+          <a:lstStyle/>
+          <a:p>
+            <a:r>
+              <a:rPr lang="en-US" smtClean="0"/>
+              <a:t>Footer Text</a:t>
+            </a:r>
+            <a:endParaRPr lang="en-US" dirty="0"/>
+          </a:p>
+        </p:txBody>
+      </p:sp>
+    </p:spTree>
+    <p:extLst>
+      <p:ext uri="{BB962C8B-B14F-4D97-AF65-F5344CB8AC3E}">
+        <p14:creationId xmlns:p14="http://schemas.microsoft.com/office/powerpoint/2010/main" val="2740892730"/>
       </p:ext>
     </p:extLst>
   </p:cSld>
@@ -4008,13 +4216,8 @@
             </a:pPr>
             <a:r>
               <a:rPr lang="en-US" sz="3200" dirty="0" smtClean="0"/>
-              <a:t>What is </a:t>
-            </a:r>
-            <a:r>
-              <a:rPr lang="en-US" sz="3200" dirty="0" smtClean="0"/>
-              <a:t>ES-6.</a:t>
-            </a:r>
-            <a:endParaRPr lang="en-US" sz="3200" dirty="0" smtClean="0"/>
+              <a:t>What is ES-6.</a:t>
+            </a:r>
           </a:p>
           <a:p>
             <a:pPr marL="342900" indent="-342900" algn="l">
@@ -4025,7 +4228,6 @@
               <a:rPr lang="en-US" sz="3200" dirty="0" smtClean="0"/>
               <a:t>New Features</a:t>
             </a:r>
-            <a:endParaRPr lang="en-US" sz="3200" dirty="0" smtClean="0"/>
           </a:p>
           <a:p>
             <a:pPr marL="342900" indent="-342900" algn="l">
@@ -4034,15 +4236,7 @@
             </a:pPr>
             <a:r>
               <a:rPr lang="en-US" sz="3200" dirty="0" smtClean="0"/>
-              <a:t>Code</a:t>
-            </a:r>
-            <a:r>
-              <a:rPr lang="en-US" sz="3200" dirty="0" smtClean="0"/>
-              <a:t> </a:t>
-            </a:r>
-            <a:r>
-              <a:rPr lang="en-US" sz="3200" dirty="0" smtClean="0"/>
-              <a:t>Demo</a:t>
+              <a:t>Code Demo</a:t>
             </a:r>
           </a:p>
         </p:txBody>
@@ -4064,7 +4258,7 @@
           <a:p>
             <a:fld id="{216C5678-EE20-4FA5-88E2-6E0BD67A2E26}" type="datetime1">
               <a:rPr lang="en-US" smtClean="0"/>
-              <a:t>8/5/2018</a:t>
+              <a:t>8/18/2018</a:t>
             </a:fld>
             <a:endParaRPr lang="en-US" dirty="0"/>
           </a:p>
@@ -4170,11 +4364,7 @@
             <a:pPr algn="l"/>
             <a:r>
               <a:rPr lang="en-US" sz="4000" dirty="0" smtClean="0"/>
-              <a:t>What is </a:t>
-            </a:r>
-            <a:r>
-              <a:rPr lang="en-US" sz="4000" dirty="0" smtClean="0"/>
-              <a:t>ES-6?</a:t>
+              <a:t>What is ES-6?</a:t>
             </a:r>
             <a:endParaRPr lang="en-US" sz="4000" dirty="0"/>
           </a:p>
@@ -4269,7 +4459,6 @@
               <a:rPr lang="en-US" sz="3200" dirty="0" smtClean="0"/>
               <a:t>.</a:t>
             </a:r>
-            <a:endParaRPr lang="en-US" sz="3200" dirty="0" smtClean="0"/>
           </a:p>
         </p:txBody>
       </p:sp>
@@ -4290,7 +4479,7 @@
           <a:p>
             <a:fld id="{216C5678-EE20-4FA5-88E2-6E0BD67A2E26}" type="datetime1">
               <a:rPr lang="en-US" smtClean="0"/>
-              <a:t>8/5/2018</a:t>
+              <a:t>8/18/2018</a:t>
             </a:fld>
             <a:endParaRPr lang="en-US" dirty="0"/>
           </a:p>
@@ -4513,7 +4702,6 @@
               <a:rPr lang="en-US" sz="2400" dirty="0" smtClean="0"/>
               <a:t> to ES-5</a:t>
             </a:r>
-            <a:endParaRPr lang="en-US" sz="2400" dirty="0" smtClean="0"/>
           </a:p>
         </p:txBody>
       </p:sp>
@@ -4534,7 +4722,7 @@
           <a:p>
             <a:fld id="{216C5678-EE20-4FA5-88E2-6E0BD67A2E26}" type="datetime1">
               <a:rPr lang="en-US" smtClean="0"/>
-              <a:t>8/5/2018</a:t>
+              <a:t>8/18/2018</a:t>
             </a:fld>
             <a:endParaRPr lang="en-US" dirty="0"/>
           </a:p>
@@ -4688,8 +4876,9 @@
             </a:pPr>
             <a:r>
               <a:rPr lang="en-US" sz="2400" dirty="0" smtClean="0"/>
-              <a:t>Rest operator</a:t>
-            </a:r>
+              <a:t>Rest Parameter</a:t>
+            </a:r>
+            <a:endParaRPr lang="en-US" sz="2400" dirty="0" smtClean="0"/>
           </a:p>
           <a:p>
             <a:pPr marL="457200" indent="-457200" algn="l">
@@ -4708,7 +4897,11 @@
             </a:pPr>
             <a:r>
               <a:rPr lang="en-US" sz="2400" dirty="0" smtClean="0"/>
-              <a:t>Default parameter</a:t>
+              <a:t>Default </a:t>
+            </a:r>
+            <a:r>
+              <a:rPr lang="en-US" sz="2400" dirty="0" smtClean="0"/>
+              <a:t>parameter</a:t>
             </a:r>
           </a:p>
           <a:p>
@@ -4717,18 +4910,10 @@
               <a:buAutoNum type="arabicPeriod"/>
             </a:pPr>
             <a:r>
-              <a:rPr lang="en-US" dirty="0" smtClean="0"/>
-              <a:t>Template </a:t>
-            </a:r>
-            <a:r>
-              <a:rPr lang="en-US" dirty="0"/>
-              <a:t>s</a:t>
-            </a:r>
-            <a:r>
-              <a:rPr lang="en-US" dirty="0" smtClean="0"/>
-              <a:t>tring literal.</a:t>
-            </a:r>
-            <a:endParaRPr lang="en-US" sz="2400" dirty="0" smtClean="0"/>
+              <a:rPr lang="en-US" dirty="0" err="1" smtClean="0"/>
+              <a:t>Destructuring</a:t>
+            </a:r>
+            <a:endParaRPr lang="en-US" smtClean="0"/>
           </a:p>
           <a:p>
             <a:pPr marL="457200" indent="-457200" algn="l">
@@ -4736,10 +4921,18 @@
               <a:buAutoNum type="arabicPeriod"/>
             </a:pPr>
             <a:r>
-              <a:rPr lang="en-US" dirty="0" err="1" smtClean="0"/>
-              <a:t>Lamda</a:t>
-            </a:r>
-            <a:endParaRPr lang="en-US" dirty="0" smtClean="0"/>
+              <a:rPr lang="en-US" smtClean="0"/>
+              <a:t>Template </a:t>
+            </a:r>
+            <a:r>
+              <a:rPr lang="en-US" dirty="0"/>
+              <a:t>s</a:t>
+            </a:r>
+            <a:r>
+              <a:rPr lang="en-US" dirty="0" smtClean="0"/>
+              <a:t>tring literal.</a:t>
+            </a:r>
+            <a:endParaRPr lang="en-US" sz="2400" dirty="0" smtClean="0"/>
           </a:p>
           <a:p>
             <a:pPr marL="457200" indent="-457200" algn="l">
@@ -4747,9 +4940,10 @@
               <a:buAutoNum type="arabicPeriod"/>
             </a:pPr>
             <a:r>
-              <a:rPr lang="en-US" sz="2400" dirty="0" smtClean="0"/>
-              <a:t>Class </a:t>
-            </a:r>
+              <a:rPr lang="en-US" dirty="0" err="1" smtClean="0"/>
+              <a:t>Lamda</a:t>
+            </a:r>
+            <a:endParaRPr lang="en-US" dirty="0" smtClean="0"/>
           </a:p>
           <a:p>
             <a:pPr marL="457200" indent="-457200" algn="l">
@@ -4757,8 +4951,8 @@
               <a:buAutoNum type="arabicPeriod"/>
             </a:pPr>
             <a:r>
-              <a:rPr lang="en-US" dirty="0" smtClean="0"/>
-              <a:t>Generator &amp; Iterator.</a:t>
+              <a:rPr lang="en-US" sz="2400" dirty="0" smtClean="0"/>
+              <a:t>Class </a:t>
             </a:r>
           </a:p>
           <a:p>
@@ -4767,10 +4961,19 @@
               <a:buAutoNum type="arabicPeriod"/>
             </a:pPr>
             <a:r>
-              <a:rPr lang="en-US" sz="2400" smtClean="0"/>
-              <a:t>Array Comprehension.</a:t>
-            </a:r>
-            <a:endParaRPr lang="en-US" sz="2400" dirty="0" smtClean="0"/>
+              <a:rPr lang="en-US" dirty="0" smtClean="0"/>
+              <a:t>Generator &amp; Iterator.</a:t>
+            </a:r>
+          </a:p>
+          <a:p>
+            <a:pPr marL="457200" indent="-457200" algn="l">
+              <a:buFont typeface="+mj-lt"/>
+              <a:buAutoNum type="arabicPeriod"/>
+            </a:pPr>
+            <a:r>
+              <a:rPr lang="en-US" sz="2400" dirty="0" smtClean="0"/>
+              <a:t>Array Comprehension. </a:t>
+            </a:r>
           </a:p>
         </p:txBody>
       </p:sp>
@@ -4791,7 +4994,7 @@
           <a:p>
             <a:fld id="{216C5678-EE20-4FA5-88E2-6E0BD67A2E26}" type="datetime1">
               <a:rPr lang="en-US" smtClean="0"/>
-              <a:t>8/5/2018</a:t>
+              <a:t>8/18/2018</a:t>
             </a:fld>
             <a:endParaRPr lang="en-US" dirty="0"/>
           </a:p>
@@ -4896,10 +5099,22 @@
           <a:p>
             <a:pPr algn="l"/>
             <a:r>
-              <a:rPr lang="en-US" sz="4400" dirty="0" smtClean="0"/>
-              <a:t>Conclusion</a:t>
-            </a:r>
-            <a:endParaRPr lang="en-US" sz="4400" dirty="0"/>
+              <a:rPr lang="en-US" sz="4000" dirty="0" smtClean="0"/>
+              <a:t>Let vs </a:t>
+            </a:r>
+            <a:r>
+              <a:rPr lang="en-US" sz="4000" dirty="0" err="1" smtClean="0"/>
+              <a:t>var</a:t>
+            </a:r>
+            <a:r>
+              <a:rPr lang="en-US" sz="4000" dirty="0" smtClean="0"/>
+              <a:t> vs </a:t>
+            </a:r>
+            <a:r>
+              <a:rPr lang="en-US" sz="4000" dirty="0" err="1" smtClean="0"/>
+              <a:t>const</a:t>
+            </a:r>
+            <a:endParaRPr lang="en-US" sz="4000" dirty="0"/>
           </a:p>
         </p:txBody>
       </p:sp>
@@ -4915,8 +5130,197 @@
         </p:nvSpPr>
         <p:spPr>
           <a:xfrm>
-            <a:off x="659165" y="1143000"/>
-            <a:ext cx="7315200" cy="1676400"/>
+            <a:off x="685800" y="1119886"/>
+            <a:ext cx="7924800" cy="5257800"/>
+          </a:xfrm>
+        </p:spPr>
+        <p:txBody>
+          <a:bodyPr>
+            <a:noAutofit/>
+          </a:bodyPr>
+          <a:lstStyle/>
+          <a:p>
+            <a:pPr algn="l"/>
+            <a:r>
+              <a:rPr lang="en-US" sz="2400" dirty="0" smtClean="0"/>
+              <a:t>‘let’ – provides a true scoping.</a:t>
+            </a:r>
+          </a:p>
+          <a:p>
+            <a:pPr algn="l"/>
+            <a:r>
+              <a:rPr lang="en-US" dirty="0" smtClean="0"/>
+              <a:t>‘</a:t>
+            </a:r>
+            <a:r>
+              <a:rPr lang="en-US" dirty="0" err="1" smtClean="0"/>
+              <a:t>var</a:t>
+            </a:r>
+            <a:r>
+              <a:rPr lang="en-US" dirty="0" smtClean="0"/>
+              <a:t>’ – provides global scope</a:t>
+            </a:r>
+          </a:p>
+          <a:p>
+            <a:pPr algn="l"/>
+            <a:r>
+              <a:rPr lang="en-US" sz="2400" dirty="0" smtClean="0"/>
+              <a:t>‘</a:t>
+            </a:r>
+            <a:r>
+              <a:rPr lang="en-US" sz="2400" dirty="0" err="1" smtClean="0"/>
+              <a:t>const</a:t>
+            </a:r>
+            <a:r>
+              <a:rPr lang="en-US" sz="2400" dirty="0" smtClean="0"/>
+              <a:t>’ – unchangeable once defined.</a:t>
+            </a:r>
+          </a:p>
+        </p:txBody>
+      </p:sp>
+      <p:sp>
+        <p:nvSpPr>
+          <p:cNvPr id="4" name="Date Placeholder 3"/>
+          <p:cNvSpPr>
+            <a:spLocks noGrp="1"/>
+          </p:cNvSpPr>
+          <p:nvPr>
+            <p:ph type="dt" sz="half" idx="10"/>
+          </p:nvPr>
+        </p:nvSpPr>
+        <p:spPr/>
+        <p:txBody>
+          <a:bodyPr/>
+          <a:lstStyle/>
+          <a:p>
+            <a:fld id="{216C5678-EE20-4FA5-88E2-6E0BD67A2E26}" type="datetime1">
+              <a:rPr lang="en-US" smtClean="0"/>
+              <a:t>8/18/2018</a:t>
+            </a:fld>
+            <a:endParaRPr lang="en-US" dirty="0"/>
+          </a:p>
+        </p:txBody>
+      </p:sp>
+      <p:sp>
+        <p:nvSpPr>
+          <p:cNvPr id="5" name="Slide Number Placeholder 4"/>
+          <p:cNvSpPr>
+            <a:spLocks noGrp="1"/>
+          </p:cNvSpPr>
+          <p:nvPr>
+            <p:ph type="sldNum" sz="quarter" idx="11"/>
+          </p:nvPr>
+        </p:nvSpPr>
+        <p:spPr/>
+        <p:txBody>
+          <a:bodyPr/>
+          <a:lstStyle/>
+          <a:p>
+            <a:fld id="{BA9B540C-44DA-4F69-89C9-7C84606640D3}" type="slidenum">
+              <a:rPr lang="en-US" smtClean="0"/>
+              <a:pPr/>
+              <a:t>6</a:t>
+            </a:fld>
+            <a:endParaRPr lang="en-US" dirty="0"/>
+          </a:p>
+        </p:txBody>
+      </p:sp>
+      <p:sp>
+        <p:nvSpPr>
+          <p:cNvPr id="6" name="Footer Placeholder 5"/>
+          <p:cNvSpPr>
+            <a:spLocks noGrp="1"/>
+          </p:cNvSpPr>
+          <p:nvPr>
+            <p:ph type="ftr" sz="quarter" idx="12"/>
+          </p:nvPr>
+        </p:nvSpPr>
+        <p:spPr/>
+        <p:txBody>
+          <a:bodyPr/>
+          <a:lstStyle/>
+          <a:p>
+            <a:r>
+              <a:rPr lang="en-US" smtClean="0"/>
+              <a:t>Footer Text</a:t>
+            </a:r>
+            <a:endParaRPr lang="en-US" dirty="0"/>
+          </a:p>
+        </p:txBody>
+      </p:sp>
+    </p:spTree>
+    <p:extLst>
+      <p:ext uri="{BB962C8B-B14F-4D97-AF65-F5344CB8AC3E}">
+        <p14:creationId xmlns:p14="http://schemas.microsoft.com/office/powerpoint/2010/main" val="1691493034"/>
+      </p:ext>
+    </p:extLst>
+  </p:cSld>
+  <p:clrMapOvr>
+    <a:masterClrMapping/>
+  </p:clrMapOvr>
+</p:sld>
+</file>
+
+<file path=ppt/slides/slide7.xml><?xml version="1.0" encoding="utf-8"?>
+<p:sld xmlns:a="http://schemas.openxmlformats.org/drawingml/2006/main" xmlns:r="http://schemas.openxmlformats.org/officeDocument/2006/relationships" xmlns:p="http://schemas.openxmlformats.org/presentationml/2006/main">
+  <p:cSld>
+    <p:spTree>
+      <p:nvGrpSpPr>
+        <p:cNvPr id="1" name=""/>
+        <p:cNvGrpSpPr/>
+        <p:nvPr/>
+      </p:nvGrpSpPr>
+      <p:grpSpPr>
+        <a:xfrm>
+          <a:off x="0" y="0"/>
+          <a:ext cx="0" cy="0"/>
+          <a:chOff x="0" y="0"/>
+          <a:chExt cx="0" cy="0"/>
+        </a:xfrm>
+      </p:grpSpPr>
+      <p:sp>
+        <p:nvSpPr>
+          <p:cNvPr id="2" name="Title 1"/>
+          <p:cNvSpPr>
+            <a:spLocks noGrp="1"/>
+          </p:cNvSpPr>
+          <p:nvPr>
+            <p:ph type="ctrTitle"/>
+          </p:nvPr>
+        </p:nvSpPr>
+        <p:spPr>
+          <a:xfrm>
+            <a:off x="685800" y="228600"/>
+            <a:ext cx="7772400" cy="685800"/>
+          </a:xfrm>
+        </p:spPr>
+        <p:txBody>
+          <a:bodyPr/>
+          <a:lstStyle/>
+          <a:p>
+            <a:pPr algn="l"/>
+            <a:r>
+              <a:rPr lang="en-US" sz="4000" dirty="0" smtClean="0"/>
+              <a:t>Rest Parameter</a:t>
+            </a:r>
+            <a:endParaRPr lang="en-US" sz="4000" dirty="0"/>
+          </a:p>
+        </p:txBody>
+      </p:sp>
+      <p:sp>
+        <p:nvSpPr>
+          <p:cNvPr id="3" name="Subtitle 2"/>
+          <p:cNvSpPr>
+            <a:spLocks noGrp="1"/>
+          </p:cNvSpPr>
+          <p:nvPr>
+            <p:ph type="subTitle" idx="1"/>
+          </p:nvPr>
+        </p:nvSpPr>
+        <p:spPr>
+          <a:xfrm>
+            <a:off x="685800" y="1119886"/>
+            <a:ext cx="7924800" cy="5257800"/>
           </a:xfrm>
         </p:spPr>
         <p:txBody>
@@ -4930,14 +5334,10 @@
               <a:buChar char="•"/>
             </a:pPr>
             <a:r>
-              <a:rPr lang="en-US" sz="3200" dirty="0" smtClean="0"/>
-              <a:t>Discussion of </a:t>
-            </a:r>
-            <a:r>
-              <a:rPr lang="en-US" sz="3200" dirty="0" err="1" smtClean="0"/>
-              <a:t>Git</a:t>
-            </a:r>
-            <a:endParaRPr lang="en-US" sz="3200" dirty="0"/>
+              <a:rPr lang="en-US" dirty="0" smtClean="0"/>
+              <a:t>Use “…” syntax</a:t>
+            </a:r>
+            <a:endParaRPr lang="en-US" dirty="0"/>
           </a:p>
           <a:p>
             <a:pPr marL="342900" indent="-342900" algn="l">
@@ -4945,22 +5345,9 @@
               <a:buChar char="•"/>
             </a:pPr>
             <a:r>
-              <a:rPr lang="en-US" sz="3200" dirty="0" err="1" smtClean="0"/>
-              <a:t>GitExtension</a:t>
-            </a:r>
-            <a:r>
-              <a:rPr lang="en-US" sz="3200" dirty="0" smtClean="0"/>
-              <a:t> </a:t>
-            </a:r>
-            <a:r>
-              <a:rPr lang="en-US" sz="3200" dirty="0" err="1" smtClean="0"/>
-              <a:t>git</a:t>
-            </a:r>
-            <a:r>
-              <a:rPr lang="en-US" sz="3200" smtClean="0"/>
-              <a:t> client.</a:t>
-            </a:r>
-            <a:endParaRPr lang="en-US" sz="3200" dirty="0" smtClean="0"/>
+              <a:rPr lang="en-US" dirty="0" smtClean="0"/>
+              <a:t>Must be last parameter in a function.</a:t>
+            </a:r>
           </a:p>
           <a:p>
             <a:pPr marL="342900" indent="-342900" algn="l">
@@ -4968,17 +5355,20 @@
               <a:buChar char="•"/>
             </a:pPr>
             <a:r>
-              <a:rPr lang="en-US" sz="3200" dirty="0" smtClean="0"/>
-              <a:t>Centralized vs Distributed SCM</a:t>
-            </a:r>
-            <a:endParaRPr lang="en-US" sz="2400" dirty="0" smtClean="0"/>
-          </a:p>
-          <a:p>
-            <a:pPr marL="800100" lvl="1" indent="-342900" algn="l">
-              <a:buFontTx/>
-              <a:buChar char="-"/>
+              <a:rPr lang="en-US" dirty="0" smtClean="0"/>
+              <a:t>Similar to Java Ellipsis parameter.</a:t>
+            </a:r>
+            <a:endParaRPr lang="en-US" dirty="0"/>
+          </a:p>
+          <a:p>
+            <a:pPr marL="342900" indent="-342900" algn="l">
+              <a:buFont typeface="Arial" panose="020B0604020202020204" pitchFamily="34" charset="0"/>
+              <a:buChar char="•"/>
             </a:pPr>
-            <a:endParaRPr lang="en-US" sz="2400" dirty="0"/>
+            <a:r>
+              <a:rPr lang="en-US" dirty="0" smtClean="0"/>
+              <a:t>Useful when forwarding a large # of parameters.</a:t>
+            </a:r>
           </a:p>
         </p:txBody>
       </p:sp>
@@ -4999,7 +5389,7 @@
           <a:p>
             <a:fld id="{216C5678-EE20-4FA5-88E2-6E0BD67A2E26}" type="datetime1">
               <a:rPr lang="en-US" smtClean="0"/>
-              <a:t>8/5/2018</a:t>
+              <a:t>8/18/2018</a:t>
             </a:fld>
             <a:endParaRPr lang="en-US" dirty="0"/>
           </a:p>
@@ -5023,7 +5413,7 @@
             <a:fld id="{BA9B540C-44DA-4F69-89C9-7C84606640D3}" type="slidenum">
               <a:rPr lang="en-US" smtClean="0"/>
               <a:pPr/>
-              <a:t>6</a:t>
+              <a:t>7</a:t>
             </a:fld>
             <a:endParaRPr lang="en-US" dirty="0"/>
           </a:p>
@@ -5055,7 +5445,389 @@
     </p:spTree>
     <p:extLst>
       <p:ext uri="{BB962C8B-B14F-4D97-AF65-F5344CB8AC3E}">
-        <p14:creationId xmlns:p14="http://schemas.microsoft.com/office/powerpoint/2010/main" val="2740892730"/>
+        <p14:creationId xmlns:p14="http://schemas.microsoft.com/office/powerpoint/2010/main" val="1927426416"/>
+      </p:ext>
+    </p:extLst>
+  </p:cSld>
+  <p:clrMapOvr>
+    <a:masterClrMapping/>
+  </p:clrMapOvr>
+</p:sld>
+</file>
+
+<file path=ppt/slides/slide8.xml><?xml version="1.0" encoding="utf-8"?>
+<p:sld xmlns:a="http://schemas.openxmlformats.org/drawingml/2006/main" xmlns:r="http://schemas.openxmlformats.org/officeDocument/2006/relationships" xmlns:p="http://schemas.openxmlformats.org/presentationml/2006/main">
+  <p:cSld>
+    <p:spTree>
+      <p:nvGrpSpPr>
+        <p:cNvPr id="1" name=""/>
+        <p:cNvGrpSpPr/>
+        <p:nvPr/>
+      </p:nvGrpSpPr>
+      <p:grpSpPr>
+        <a:xfrm>
+          <a:off x="0" y="0"/>
+          <a:ext cx="0" cy="0"/>
+          <a:chOff x="0" y="0"/>
+          <a:chExt cx="0" cy="0"/>
+        </a:xfrm>
+      </p:grpSpPr>
+      <p:sp>
+        <p:nvSpPr>
+          <p:cNvPr id="2" name="Title 1"/>
+          <p:cNvSpPr>
+            <a:spLocks noGrp="1"/>
+          </p:cNvSpPr>
+          <p:nvPr>
+            <p:ph type="ctrTitle"/>
+          </p:nvPr>
+        </p:nvSpPr>
+        <p:spPr>
+          <a:xfrm>
+            <a:off x="685800" y="228600"/>
+            <a:ext cx="7772400" cy="685800"/>
+          </a:xfrm>
+        </p:spPr>
+        <p:txBody>
+          <a:bodyPr/>
+          <a:lstStyle/>
+          <a:p>
+            <a:pPr algn="l"/>
+            <a:r>
+              <a:rPr lang="en-US" sz="4000" dirty="0" smtClean="0"/>
+              <a:t>Spread Operator</a:t>
+            </a:r>
+            <a:endParaRPr lang="en-US" sz="4000" dirty="0"/>
+          </a:p>
+        </p:txBody>
+      </p:sp>
+      <p:sp>
+        <p:nvSpPr>
+          <p:cNvPr id="3" name="Subtitle 2"/>
+          <p:cNvSpPr>
+            <a:spLocks noGrp="1"/>
+          </p:cNvSpPr>
+          <p:nvPr>
+            <p:ph type="subTitle" idx="1"/>
+          </p:nvPr>
+        </p:nvSpPr>
+        <p:spPr>
+          <a:xfrm>
+            <a:off x="685800" y="1119886"/>
+            <a:ext cx="7924800" cy="5257800"/>
+          </a:xfrm>
+        </p:spPr>
+        <p:txBody>
+          <a:bodyPr>
+            <a:noAutofit/>
+          </a:bodyPr>
+          <a:lstStyle/>
+          <a:p>
+            <a:pPr marL="342900" indent="-342900" algn="l">
+              <a:buFont typeface="Arial" panose="020B0604020202020204" pitchFamily="34" charset="0"/>
+              <a:buChar char="•"/>
+            </a:pPr>
+            <a:r>
+              <a:rPr lang="en-US" dirty="0" smtClean="0"/>
+              <a:t>Use “…” syntax</a:t>
+            </a:r>
+            <a:endParaRPr lang="en-US" dirty="0"/>
+          </a:p>
+          <a:p>
+            <a:pPr marL="342900" indent="-342900" algn="l">
+              <a:buFont typeface="Arial" panose="020B0604020202020204" pitchFamily="34" charset="0"/>
+              <a:buChar char="•"/>
+            </a:pPr>
+            <a:r>
+              <a:rPr lang="en-US" dirty="0" smtClean="0"/>
+              <a:t>Deconstruct an array into individual element.</a:t>
+            </a:r>
+          </a:p>
+          <a:p>
+            <a:pPr marL="342900" indent="-342900" algn="l">
+              <a:buFont typeface="Arial" panose="020B0604020202020204" pitchFamily="34" charset="0"/>
+              <a:buChar char="•"/>
+            </a:pPr>
+            <a:r>
+              <a:rPr lang="en-US" dirty="0" smtClean="0"/>
+              <a:t>Deconstruct </a:t>
+            </a:r>
+            <a:r>
+              <a:rPr lang="en-US" dirty="0"/>
+              <a:t>an </a:t>
+            </a:r>
+            <a:r>
+              <a:rPr lang="en-US" dirty="0" smtClean="0"/>
+              <a:t>object </a:t>
+            </a:r>
+            <a:r>
+              <a:rPr lang="en-US" dirty="0"/>
+              <a:t>into </a:t>
+            </a:r>
+            <a:r>
+              <a:rPr lang="en-US" dirty="0" smtClean="0"/>
+              <a:t>individual properties.</a:t>
+            </a:r>
+          </a:p>
+        </p:txBody>
+      </p:sp>
+      <p:sp>
+        <p:nvSpPr>
+          <p:cNvPr id="4" name="Date Placeholder 3"/>
+          <p:cNvSpPr>
+            <a:spLocks noGrp="1"/>
+          </p:cNvSpPr>
+          <p:nvPr>
+            <p:ph type="dt" sz="half" idx="10"/>
+          </p:nvPr>
+        </p:nvSpPr>
+        <p:spPr/>
+        <p:txBody>
+          <a:bodyPr/>
+          <a:lstStyle/>
+          <a:p>
+            <a:fld id="{216C5678-EE20-4FA5-88E2-6E0BD67A2E26}" type="datetime1">
+              <a:rPr lang="en-US" smtClean="0"/>
+              <a:t>8/18/2018</a:t>
+            </a:fld>
+            <a:endParaRPr lang="en-US" dirty="0"/>
+          </a:p>
+        </p:txBody>
+      </p:sp>
+      <p:sp>
+        <p:nvSpPr>
+          <p:cNvPr id="5" name="Slide Number Placeholder 4"/>
+          <p:cNvSpPr>
+            <a:spLocks noGrp="1"/>
+          </p:cNvSpPr>
+          <p:nvPr>
+            <p:ph type="sldNum" sz="quarter" idx="11"/>
+          </p:nvPr>
+        </p:nvSpPr>
+        <p:spPr/>
+        <p:txBody>
+          <a:bodyPr/>
+          <a:lstStyle/>
+          <a:p>
+            <a:fld id="{BA9B540C-44DA-4F69-89C9-7C84606640D3}" type="slidenum">
+              <a:rPr lang="en-US" smtClean="0"/>
+              <a:pPr/>
+              <a:t>8</a:t>
+            </a:fld>
+            <a:endParaRPr lang="en-US" dirty="0"/>
+          </a:p>
+        </p:txBody>
+      </p:sp>
+      <p:sp>
+        <p:nvSpPr>
+          <p:cNvPr id="6" name="Footer Placeholder 5"/>
+          <p:cNvSpPr>
+            <a:spLocks noGrp="1"/>
+          </p:cNvSpPr>
+          <p:nvPr>
+            <p:ph type="ftr" sz="quarter" idx="12"/>
+          </p:nvPr>
+        </p:nvSpPr>
+        <p:spPr/>
+        <p:txBody>
+          <a:bodyPr/>
+          <a:lstStyle/>
+          <a:p>
+            <a:r>
+              <a:rPr lang="en-US" smtClean="0"/>
+              <a:t>Footer Text</a:t>
+            </a:r>
+            <a:endParaRPr lang="en-US" dirty="0"/>
+          </a:p>
+        </p:txBody>
+      </p:sp>
+    </p:spTree>
+    <p:extLst>
+      <p:ext uri="{BB962C8B-B14F-4D97-AF65-F5344CB8AC3E}">
+        <p14:creationId xmlns:p14="http://schemas.microsoft.com/office/powerpoint/2010/main" val="4106080359"/>
+      </p:ext>
+    </p:extLst>
+  </p:cSld>
+  <p:clrMapOvr>
+    <a:masterClrMapping/>
+  </p:clrMapOvr>
+</p:sld>
+</file>
+
+<file path=ppt/slides/slide9.xml><?xml version="1.0" encoding="utf-8"?>
+<p:sld xmlns:a="http://schemas.openxmlformats.org/drawingml/2006/main" xmlns:r="http://schemas.openxmlformats.org/officeDocument/2006/relationships" xmlns:p="http://schemas.openxmlformats.org/presentationml/2006/main">
+  <p:cSld>
+    <p:spTree>
+      <p:nvGrpSpPr>
+        <p:cNvPr id="1" name=""/>
+        <p:cNvGrpSpPr/>
+        <p:nvPr/>
+      </p:nvGrpSpPr>
+      <p:grpSpPr>
+        <a:xfrm>
+          <a:off x="0" y="0"/>
+          <a:ext cx="0" cy="0"/>
+          <a:chOff x="0" y="0"/>
+          <a:chExt cx="0" cy="0"/>
+        </a:xfrm>
+      </p:grpSpPr>
+      <p:sp>
+        <p:nvSpPr>
+          <p:cNvPr id="2" name="Title 1"/>
+          <p:cNvSpPr>
+            <a:spLocks noGrp="1"/>
+          </p:cNvSpPr>
+          <p:nvPr>
+            <p:ph type="ctrTitle"/>
+          </p:nvPr>
+        </p:nvSpPr>
+        <p:spPr>
+          <a:xfrm>
+            <a:off x="685800" y="228600"/>
+            <a:ext cx="7772400" cy="685800"/>
+          </a:xfrm>
+        </p:spPr>
+        <p:txBody>
+          <a:bodyPr/>
+          <a:lstStyle/>
+          <a:p>
+            <a:pPr algn="l"/>
+            <a:r>
+              <a:rPr lang="en-US" sz="4000" dirty="0" smtClean="0"/>
+              <a:t>Default Parameter</a:t>
+            </a:r>
+            <a:endParaRPr lang="en-US" sz="4000" dirty="0"/>
+          </a:p>
+        </p:txBody>
+      </p:sp>
+      <p:sp>
+        <p:nvSpPr>
+          <p:cNvPr id="3" name="Subtitle 2"/>
+          <p:cNvSpPr>
+            <a:spLocks noGrp="1"/>
+          </p:cNvSpPr>
+          <p:nvPr>
+            <p:ph type="subTitle" idx="1"/>
+          </p:nvPr>
+        </p:nvSpPr>
+        <p:spPr>
+          <a:xfrm>
+            <a:off x="685800" y="1119886"/>
+            <a:ext cx="7924800" cy="5257800"/>
+          </a:xfrm>
+        </p:spPr>
+        <p:txBody>
+          <a:bodyPr>
+            <a:noAutofit/>
+          </a:bodyPr>
+          <a:lstStyle/>
+          <a:p>
+            <a:pPr marL="342900" indent="-342900" algn="l">
+              <a:buFont typeface="Arial" panose="020B0604020202020204" pitchFamily="34" charset="0"/>
+              <a:buChar char="•"/>
+            </a:pPr>
+            <a:r>
+              <a:rPr lang="en-US" dirty="0" smtClean="0"/>
+              <a:t>Handle undefined input parameter</a:t>
+            </a:r>
+          </a:p>
+          <a:p>
+            <a:pPr marL="342900" indent="-342900" algn="l">
+              <a:buFont typeface="Arial" panose="020B0604020202020204" pitchFamily="34" charset="0"/>
+              <a:buChar char="•"/>
+            </a:pPr>
+            <a:r>
+              <a:rPr lang="en-US" dirty="0" smtClean="0"/>
+              <a:t>Similar to Java.</a:t>
+            </a:r>
+            <a:endParaRPr lang="en-US" dirty="0"/>
+          </a:p>
+          <a:p>
+            <a:pPr marL="342900" indent="-342900" algn="l">
+              <a:buFont typeface="Arial" panose="020B0604020202020204" pitchFamily="34" charset="0"/>
+              <a:buChar char="•"/>
+            </a:pPr>
+            <a:r>
+              <a:rPr lang="en-US" dirty="0" smtClean="0"/>
+              <a:t>No need for:   input = input || “NA”;</a:t>
+            </a:r>
+          </a:p>
+        </p:txBody>
+      </p:sp>
+      <p:sp>
+        <p:nvSpPr>
+          <p:cNvPr id="4" name="Date Placeholder 3"/>
+          <p:cNvSpPr>
+            <a:spLocks noGrp="1"/>
+          </p:cNvSpPr>
+          <p:nvPr>
+            <p:ph type="dt" sz="half" idx="10"/>
+          </p:nvPr>
+        </p:nvSpPr>
+        <p:spPr/>
+        <p:txBody>
+          <a:bodyPr/>
+          <a:lstStyle/>
+          <a:p>
+            <a:fld id="{216C5678-EE20-4FA5-88E2-6E0BD67A2E26}" type="datetime1">
+              <a:rPr lang="en-US" smtClean="0"/>
+              <a:t>8/18/2018</a:t>
+            </a:fld>
+            <a:endParaRPr lang="en-US" dirty="0"/>
+          </a:p>
+        </p:txBody>
+      </p:sp>
+      <p:sp>
+        <p:nvSpPr>
+          <p:cNvPr id="5" name="Slide Number Placeholder 4"/>
+          <p:cNvSpPr>
+            <a:spLocks noGrp="1"/>
+          </p:cNvSpPr>
+          <p:nvPr>
+            <p:ph type="sldNum" sz="quarter" idx="11"/>
+          </p:nvPr>
+        </p:nvSpPr>
+        <p:spPr/>
+        <p:txBody>
+          <a:bodyPr/>
+          <a:lstStyle/>
+          <a:p>
+            <a:fld id="{BA9B540C-44DA-4F69-89C9-7C84606640D3}" type="slidenum">
+              <a:rPr lang="en-US" smtClean="0"/>
+              <a:pPr/>
+              <a:t>9</a:t>
+            </a:fld>
+            <a:endParaRPr lang="en-US" dirty="0"/>
+          </a:p>
+        </p:txBody>
+      </p:sp>
+      <p:sp>
+        <p:nvSpPr>
+          <p:cNvPr id="6" name="Footer Placeholder 5"/>
+          <p:cNvSpPr>
+            <a:spLocks noGrp="1"/>
+          </p:cNvSpPr>
+          <p:nvPr>
+            <p:ph type="ftr" sz="quarter" idx="12"/>
+          </p:nvPr>
+        </p:nvSpPr>
+        <p:spPr/>
+        <p:txBody>
+          <a:bodyPr/>
+          <a:lstStyle/>
+          <a:p>
+            <a:r>
+              <a:rPr lang="en-US" smtClean="0"/>
+              <a:t>Footer Text</a:t>
+            </a:r>
+            <a:endParaRPr lang="en-US" dirty="0"/>
+          </a:p>
+        </p:txBody>
+      </p:sp>
+    </p:spTree>
+    <p:extLst>
+      <p:ext uri="{BB962C8B-B14F-4D97-AF65-F5344CB8AC3E}">
+        <p14:creationId xmlns:p14="http://schemas.microsoft.com/office/powerpoint/2010/main" val="3787742052"/>
       </p:ext>
     </p:extLst>
   </p:cSld>

--- a/es6/es6.pptx
+++ b/es6/es6.pptx
@@ -5,7 +5,7 @@
     <p:sldMasterId id="2147483648" r:id="rId1"/>
   </p:sldMasterIdLst>
   <p:notesMasterIdLst>
-    <p:notesMasterId r:id="rId12"/>
+    <p:notesMasterId r:id="rId18"/>
   </p:notesMasterIdLst>
   <p:sldIdLst>
     <p:sldId id="256" r:id="rId2"/>
@@ -17,7 +17,13 @@
     <p:sldId id="302" r:id="rId8"/>
     <p:sldId id="303" r:id="rId9"/>
     <p:sldId id="304" r:id="rId10"/>
-    <p:sldId id="271" r:id="rId11"/>
+    <p:sldId id="305" r:id="rId11"/>
+    <p:sldId id="306" r:id="rId12"/>
+    <p:sldId id="307" r:id="rId13"/>
+    <p:sldId id="308" r:id="rId14"/>
+    <p:sldId id="309" r:id="rId15"/>
+    <p:sldId id="310" r:id="rId16"/>
+    <p:sldId id="271" r:id="rId17"/>
   </p:sldIdLst>
   <p:sldSz cx="9144000" cy="6858000" type="screen4x3"/>
   <p:notesSz cx="6858000" cy="9144000"/>
@@ -3973,6 +3979,1000 @@
           <a:p>
             <a:pPr algn="l"/>
             <a:r>
+              <a:rPr lang="en-US" sz="4000" dirty="0" err="1" smtClean="0"/>
+              <a:t>Destructuring</a:t>
+            </a:r>
+            <a:endParaRPr lang="en-US" sz="4000" dirty="0"/>
+          </a:p>
+        </p:txBody>
+      </p:sp>
+      <p:sp>
+        <p:nvSpPr>
+          <p:cNvPr id="3" name="Subtitle 2"/>
+          <p:cNvSpPr>
+            <a:spLocks noGrp="1"/>
+          </p:cNvSpPr>
+          <p:nvPr>
+            <p:ph type="subTitle" idx="1"/>
+          </p:nvPr>
+        </p:nvSpPr>
+        <p:spPr>
+          <a:xfrm>
+            <a:off x="685800" y="1119886"/>
+            <a:ext cx="7924800" cy="5257800"/>
+          </a:xfrm>
+        </p:spPr>
+        <p:txBody>
+          <a:bodyPr>
+            <a:noAutofit/>
+          </a:bodyPr>
+          <a:lstStyle/>
+          <a:p>
+            <a:pPr marL="342900" indent="-342900" algn="l">
+              <a:buFont typeface="Arial" panose="020B0604020202020204" pitchFamily="34" charset="0"/>
+              <a:buChar char="•"/>
+            </a:pPr>
+            <a:r>
+              <a:rPr lang="en-US" dirty="0" smtClean="0"/>
+              <a:t>Quickly unpack an object properties.</a:t>
+            </a:r>
+          </a:p>
+        </p:txBody>
+      </p:sp>
+      <p:sp>
+        <p:nvSpPr>
+          <p:cNvPr id="4" name="Date Placeholder 3"/>
+          <p:cNvSpPr>
+            <a:spLocks noGrp="1"/>
+          </p:cNvSpPr>
+          <p:nvPr>
+            <p:ph type="dt" sz="half" idx="10"/>
+          </p:nvPr>
+        </p:nvSpPr>
+        <p:spPr/>
+        <p:txBody>
+          <a:bodyPr/>
+          <a:lstStyle/>
+          <a:p>
+            <a:fld id="{216C5678-EE20-4FA5-88E2-6E0BD67A2E26}" type="datetime1">
+              <a:rPr lang="en-US" smtClean="0"/>
+              <a:t>8/18/2018</a:t>
+            </a:fld>
+            <a:endParaRPr lang="en-US" dirty="0"/>
+          </a:p>
+        </p:txBody>
+      </p:sp>
+      <p:sp>
+        <p:nvSpPr>
+          <p:cNvPr id="5" name="Slide Number Placeholder 4"/>
+          <p:cNvSpPr>
+            <a:spLocks noGrp="1"/>
+          </p:cNvSpPr>
+          <p:nvPr>
+            <p:ph type="sldNum" sz="quarter" idx="11"/>
+          </p:nvPr>
+        </p:nvSpPr>
+        <p:spPr/>
+        <p:txBody>
+          <a:bodyPr/>
+          <a:lstStyle/>
+          <a:p>
+            <a:fld id="{BA9B540C-44DA-4F69-89C9-7C84606640D3}" type="slidenum">
+              <a:rPr lang="en-US" smtClean="0"/>
+              <a:pPr/>
+              <a:t>10</a:t>
+            </a:fld>
+            <a:endParaRPr lang="en-US" dirty="0"/>
+          </a:p>
+        </p:txBody>
+      </p:sp>
+      <p:sp>
+        <p:nvSpPr>
+          <p:cNvPr id="6" name="Footer Placeholder 5"/>
+          <p:cNvSpPr>
+            <a:spLocks noGrp="1"/>
+          </p:cNvSpPr>
+          <p:nvPr>
+            <p:ph type="ftr" sz="quarter" idx="12"/>
+          </p:nvPr>
+        </p:nvSpPr>
+        <p:spPr/>
+        <p:txBody>
+          <a:bodyPr/>
+          <a:lstStyle/>
+          <a:p>
+            <a:r>
+              <a:rPr lang="en-US" smtClean="0"/>
+              <a:t>Footer Text</a:t>
+            </a:r>
+            <a:endParaRPr lang="en-US" dirty="0"/>
+          </a:p>
+        </p:txBody>
+      </p:sp>
+    </p:spTree>
+    <p:extLst>
+      <p:ext uri="{BB962C8B-B14F-4D97-AF65-F5344CB8AC3E}">
+        <p14:creationId xmlns:p14="http://schemas.microsoft.com/office/powerpoint/2010/main" val="1960348769"/>
+      </p:ext>
+    </p:extLst>
+  </p:cSld>
+  <p:clrMapOvr>
+    <a:masterClrMapping/>
+  </p:clrMapOvr>
+</p:sld>
+</file>
+
+<file path=ppt/slides/slide11.xml><?xml version="1.0" encoding="utf-8"?>
+<p:sld xmlns:a="http://schemas.openxmlformats.org/drawingml/2006/main" xmlns:r="http://schemas.openxmlformats.org/officeDocument/2006/relationships" xmlns:p="http://schemas.openxmlformats.org/presentationml/2006/main">
+  <p:cSld>
+    <p:spTree>
+      <p:nvGrpSpPr>
+        <p:cNvPr id="1" name=""/>
+        <p:cNvGrpSpPr/>
+        <p:nvPr/>
+      </p:nvGrpSpPr>
+      <p:grpSpPr>
+        <a:xfrm>
+          <a:off x="0" y="0"/>
+          <a:ext cx="0" cy="0"/>
+          <a:chOff x="0" y="0"/>
+          <a:chExt cx="0" cy="0"/>
+        </a:xfrm>
+      </p:grpSpPr>
+      <p:sp>
+        <p:nvSpPr>
+          <p:cNvPr id="2" name="Title 1"/>
+          <p:cNvSpPr>
+            <a:spLocks noGrp="1"/>
+          </p:cNvSpPr>
+          <p:nvPr>
+            <p:ph type="ctrTitle"/>
+          </p:nvPr>
+        </p:nvSpPr>
+        <p:spPr>
+          <a:xfrm>
+            <a:off x="685800" y="228600"/>
+            <a:ext cx="7772400" cy="685800"/>
+          </a:xfrm>
+        </p:spPr>
+        <p:txBody>
+          <a:bodyPr/>
+          <a:lstStyle/>
+          <a:p>
+            <a:pPr algn="l"/>
+            <a:r>
+              <a:rPr lang="en-US" sz="4000" dirty="0" smtClean="0"/>
+              <a:t>Template </a:t>
+            </a:r>
+            <a:r>
+              <a:rPr lang="en-US" sz="4000" dirty="0"/>
+              <a:t>string literal.</a:t>
+            </a:r>
+          </a:p>
+        </p:txBody>
+      </p:sp>
+      <p:sp>
+        <p:nvSpPr>
+          <p:cNvPr id="3" name="Subtitle 2"/>
+          <p:cNvSpPr>
+            <a:spLocks noGrp="1"/>
+          </p:cNvSpPr>
+          <p:nvPr>
+            <p:ph type="subTitle" idx="1"/>
+          </p:nvPr>
+        </p:nvSpPr>
+        <p:spPr>
+          <a:xfrm>
+            <a:off x="685800" y="1119886"/>
+            <a:ext cx="7924800" cy="5257800"/>
+          </a:xfrm>
+        </p:spPr>
+        <p:txBody>
+          <a:bodyPr>
+            <a:noAutofit/>
+          </a:bodyPr>
+          <a:lstStyle/>
+          <a:p>
+            <a:pPr marL="342900" indent="-342900" algn="l">
+              <a:buFont typeface="Arial" panose="020B0604020202020204" pitchFamily="34" charset="0"/>
+              <a:buChar char="•"/>
+            </a:pPr>
+            <a:r>
+              <a:rPr lang="en-US" dirty="0" smtClean="0"/>
+              <a:t>More intuitive way to formulate string.</a:t>
+            </a:r>
+            <a:endParaRPr lang="en-US" dirty="0"/>
+          </a:p>
+          <a:p>
+            <a:pPr marL="342900" indent="-342900" algn="l">
+              <a:buFont typeface="Arial" panose="020B0604020202020204" pitchFamily="34" charset="0"/>
+              <a:buChar char="•"/>
+            </a:pPr>
+            <a:r>
+              <a:rPr lang="en-US" dirty="0" smtClean="0"/>
+              <a:t>Use ` symbol.</a:t>
+            </a:r>
+          </a:p>
+        </p:txBody>
+      </p:sp>
+      <p:sp>
+        <p:nvSpPr>
+          <p:cNvPr id="4" name="Date Placeholder 3"/>
+          <p:cNvSpPr>
+            <a:spLocks noGrp="1"/>
+          </p:cNvSpPr>
+          <p:nvPr>
+            <p:ph type="dt" sz="half" idx="10"/>
+          </p:nvPr>
+        </p:nvSpPr>
+        <p:spPr/>
+        <p:txBody>
+          <a:bodyPr/>
+          <a:lstStyle/>
+          <a:p>
+            <a:fld id="{216C5678-EE20-4FA5-88E2-6E0BD67A2E26}" type="datetime1">
+              <a:rPr lang="en-US" smtClean="0"/>
+              <a:t>8/19/2018</a:t>
+            </a:fld>
+            <a:endParaRPr lang="en-US" dirty="0"/>
+          </a:p>
+        </p:txBody>
+      </p:sp>
+      <p:sp>
+        <p:nvSpPr>
+          <p:cNvPr id="5" name="Slide Number Placeholder 4"/>
+          <p:cNvSpPr>
+            <a:spLocks noGrp="1"/>
+          </p:cNvSpPr>
+          <p:nvPr>
+            <p:ph type="sldNum" sz="quarter" idx="11"/>
+          </p:nvPr>
+        </p:nvSpPr>
+        <p:spPr/>
+        <p:txBody>
+          <a:bodyPr/>
+          <a:lstStyle/>
+          <a:p>
+            <a:fld id="{BA9B540C-44DA-4F69-89C9-7C84606640D3}" type="slidenum">
+              <a:rPr lang="en-US" smtClean="0"/>
+              <a:pPr/>
+              <a:t>11</a:t>
+            </a:fld>
+            <a:endParaRPr lang="en-US" dirty="0"/>
+          </a:p>
+        </p:txBody>
+      </p:sp>
+      <p:sp>
+        <p:nvSpPr>
+          <p:cNvPr id="6" name="Footer Placeholder 5"/>
+          <p:cNvSpPr>
+            <a:spLocks noGrp="1"/>
+          </p:cNvSpPr>
+          <p:nvPr>
+            <p:ph type="ftr" sz="quarter" idx="12"/>
+          </p:nvPr>
+        </p:nvSpPr>
+        <p:spPr/>
+        <p:txBody>
+          <a:bodyPr/>
+          <a:lstStyle/>
+          <a:p>
+            <a:r>
+              <a:rPr lang="en-US" smtClean="0"/>
+              <a:t>Footer Text</a:t>
+            </a:r>
+            <a:endParaRPr lang="en-US" dirty="0"/>
+          </a:p>
+        </p:txBody>
+      </p:sp>
+    </p:spTree>
+    <p:extLst>
+      <p:ext uri="{BB962C8B-B14F-4D97-AF65-F5344CB8AC3E}">
+        <p14:creationId xmlns:p14="http://schemas.microsoft.com/office/powerpoint/2010/main" val="3333014962"/>
+      </p:ext>
+    </p:extLst>
+  </p:cSld>
+  <p:clrMapOvr>
+    <a:masterClrMapping/>
+  </p:clrMapOvr>
+</p:sld>
+</file>
+
+<file path=ppt/slides/slide12.xml><?xml version="1.0" encoding="utf-8"?>
+<p:sld xmlns:a="http://schemas.openxmlformats.org/drawingml/2006/main" xmlns:r="http://schemas.openxmlformats.org/officeDocument/2006/relationships" xmlns:p="http://schemas.openxmlformats.org/presentationml/2006/main">
+  <p:cSld>
+    <p:spTree>
+      <p:nvGrpSpPr>
+        <p:cNvPr id="1" name=""/>
+        <p:cNvGrpSpPr/>
+        <p:nvPr/>
+      </p:nvGrpSpPr>
+      <p:grpSpPr>
+        <a:xfrm>
+          <a:off x="0" y="0"/>
+          <a:ext cx="0" cy="0"/>
+          <a:chOff x="0" y="0"/>
+          <a:chExt cx="0" cy="0"/>
+        </a:xfrm>
+      </p:grpSpPr>
+      <p:sp>
+        <p:nvSpPr>
+          <p:cNvPr id="2" name="Title 1"/>
+          <p:cNvSpPr>
+            <a:spLocks noGrp="1"/>
+          </p:cNvSpPr>
+          <p:nvPr>
+            <p:ph type="ctrTitle"/>
+          </p:nvPr>
+        </p:nvSpPr>
+        <p:spPr>
+          <a:xfrm>
+            <a:off x="685800" y="228600"/>
+            <a:ext cx="7772400" cy="685800"/>
+          </a:xfrm>
+        </p:spPr>
+        <p:txBody>
+          <a:bodyPr/>
+          <a:lstStyle/>
+          <a:p>
+            <a:pPr algn="l"/>
+            <a:r>
+              <a:rPr lang="en-US" sz="4000" dirty="0" smtClean="0"/>
+              <a:t>Lambda.</a:t>
+            </a:r>
+            <a:endParaRPr lang="en-US" sz="4000" dirty="0"/>
+          </a:p>
+        </p:txBody>
+      </p:sp>
+      <p:sp>
+        <p:nvSpPr>
+          <p:cNvPr id="3" name="Subtitle 2"/>
+          <p:cNvSpPr>
+            <a:spLocks noGrp="1"/>
+          </p:cNvSpPr>
+          <p:nvPr>
+            <p:ph type="subTitle" idx="1"/>
+          </p:nvPr>
+        </p:nvSpPr>
+        <p:spPr>
+          <a:xfrm>
+            <a:off x="685800" y="1119886"/>
+            <a:ext cx="7924800" cy="5257800"/>
+          </a:xfrm>
+        </p:spPr>
+        <p:txBody>
+          <a:bodyPr>
+            <a:noAutofit/>
+          </a:bodyPr>
+          <a:lstStyle/>
+          <a:p>
+            <a:pPr marL="342900" indent="-342900" algn="l">
+              <a:buFont typeface="Arial" panose="020B0604020202020204" pitchFamily="34" charset="0"/>
+              <a:buChar char="•"/>
+            </a:pPr>
+            <a:r>
+              <a:rPr lang="en-US" dirty="0" smtClean="0"/>
+              <a:t>Provide a more concise function execution instead of using function()</a:t>
+            </a:r>
+            <a:endParaRPr lang="en-US" dirty="0"/>
+          </a:p>
+          <a:p>
+            <a:pPr marL="342900" indent="-342900" algn="l">
+              <a:buFont typeface="Arial" panose="020B0604020202020204" pitchFamily="34" charset="0"/>
+              <a:buChar char="•"/>
+            </a:pPr>
+            <a:r>
+              <a:rPr lang="en-US" dirty="0" smtClean="0"/>
+              <a:t>Make the context of ‘this’ clearer.</a:t>
+            </a:r>
+          </a:p>
+        </p:txBody>
+      </p:sp>
+      <p:sp>
+        <p:nvSpPr>
+          <p:cNvPr id="4" name="Date Placeholder 3"/>
+          <p:cNvSpPr>
+            <a:spLocks noGrp="1"/>
+          </p:cNvSpPr>
+          <p:nvPr>
+            <p:ph type="dt" sz="half" idx="10"/>
+          </p:nvPr>
+        </p:nvSpPr>
+        <p:spPr/>
+        <p:txBody>
+          <a:bodyPr/>
+          <a:lstStyle/>
+          <a:p>
+            <a:fld id="{216C5678-EE20-4FA5-88E2-6E0BD67A2E26}" type="datetime1">
+              <a:rPr lang="en-US" smtClean="0"/>
+              <a:t>8/19/2018</a:t>
+            </a:fld>
+            <a:endParaRPr lang="en-US" dirty="0"/>
+          </a:p>
+        </p:txBody>
+      </p:sp>
+      <p:sp>
+        <p:nvSpPr>
+          <p:cNvPr id="5" name="Slide Number Placeholder 4"/>
+          <p:cNvSpPr>
+            <a:spLocks noGrp="1"/>
+          </p:cNvSpPr>
+          <p:nvPr>
+            <p:ph type="sldNum" sz="quarter" idx="11"/>
+          </p:nvPr>
+        </p:nvSpPr>
+        <p:spPr/>
+        <p:txBody>
+          <a:bodyPr/>
+          <a:lstStyle/>
+          <a:p>
+            <a:fld id="{BA9B540C-44DA-4F69-89C9-7C84606640D3}" type="slidenum">
+              <a:rPr lang="en-US" smtClean="0"/>
+              <a:pPr/>
+              <a:t>12</a:t>
+            </a:fld>
+            <a:endParaRPr lang="en-US" dirty="0"/>
+          </a:p>
+        </p:txBody>
+      </p:sp>
+      <p:sp>
+        <p:nvSpPr>
+          <p:cNvPr id="6" name="Footer Placeholder 5"/>
+          <p:cNvSpPr>
+            <a:spLocks noGrp="1"/>
+          </p:cNvSpPr>
+          <p:nvPr>
+            <p:ph type="ftr" sz="quarter" idx="12"/>
+          </p:nvPr>
+        </p:nvSpPr>
+        <p:spPr/>
+        <p:txBody>
+          <a:bodyPr/>
+          <a:lstStyle/>
+          <a:p>
+            <a:r>
+              <a:rPr lang="en-US" smtClean="0"/>
+              <a:t>Footer Text</a:t>
+            </a:r>
+            <a:endParaRPr lang="en-US" dirty="0"/>
+          </a:p>
+        </p:txBody>
+      </p:sp>
+    </p:spTree>
+    <p:extLst>
+      <p:ext uri="{BB962C8B-B14F-4D97-AF65-F5344CB8AC3E}">
+        <p14:creationId xmlns:p14="http://schemas.microsoft.com/office/powerpoint/2010/main" val="3257466147"/>
+      </p:ext>
+    </p:extLst>
+  </p:cSld>
+  <p:clrMapOvr>
+    <a:masterClrMapping/>
+  </p:clrMapOvr>
+</p:sld>
+</file>
+
+<file path=ppt/slides/slide13.xml><?xml version="1.0" encoding="utf-8"?>
+<p:sld xmlns:a="http://schemas.openxmlformats.org/drawingml/2006/main" xmlns:r="http://schemas.openxmlformats.org/officeDocument/2006/relationships" xmlns:p="http://schemas.openxmlformats.org/presentationml/2006/main">
+  <p:cSld>
+    <p:spTree>
+      <p:nvGrpSpPr>
+        <p:cNvPr id="1" name=""/>
+        <p:cNvGrpSpPr/>
+        <p:nvPr/>
+      </p:nvGrpSpPr>
+      <p:grpSpPr>
+        <a:xfrm>
+          <a:off x="0" y="0"/>
+          <a:ext cx="0" cy="0"/>
+          <a:chOff x="0" y="0"/>
+          <a:chExt cx="0" cy="0"/>
+        </a:xfrm>
+      </p:grpSpPr>
+      <p:sp>
+        <p:nvSpPr>
+          <p:cNvPr id="2" name="Title 1"/>
+          <p:cNvSpPr>
+            <a:spLocks noGrp="1"/>
+          </p:cNvSpPr>
+          <p:nvPr>
+            <p:ph type="ctrTitle"/>
+          </p:nvPr>
+        </p:nvSpPr>
+        <p:spPr>
+          <a:xfrm>
+            <a:off x="685800" y="228600"/>
+            <a:ext cx="7772400" cy="685800"/>
+          </a:xfrm>
+        </p:spPr>
+        <p:txBody>
+          <a:bodyPr/>
+          <a:lstStyle/>
+          <a:p>
+            <a:pPr algn="l"/>
+            <a:r>
+              <a:rPr lang="en-US" sz="4000" dirty="0" smtClean="0"/>
+              <a:t>Class</a:t>
+            </a:r>
+            <a:endParaRPr lang="en-US" sz="4000" dirty="0"/>
+          </a:p>
+        </p:txBody>
+      </p:sp>
+      <p:sp>
+        <p:nvSpPr>
+          <p:cNvPr id="3" name="Subtitle 2"/>
+          <p:cNvSpPr>
+            <a:spLocks noGrp="1"/>
+          </p:cNvSpPr>
+          <p:nvPr>
+            <p:ph type="subTitle" idx="1"/>
+          </p:nvPr>
+        </p:nvSpPr>
+        <p:spPr>
+          <a:xfrm>
+            <a:off x="685800" y="1119886"/>
+            <a:ext cx="7924800" cy="5257800"/>
+          </a:xfrm>
+        </p:spPr>
+        <p:txBody>
+          <a:bodyPr>
+            <a:noAutofit/>
+          </a:bodyPr>
+          <a:lstStyle/>
+          <a:p>
+            <a:pPr marL="342900" indent="-342900" algn="l">
+              <a:buFont typeface="Arial" panose="020B0604020202020204" pitchFamily="34" charset="0"/>
+              <a:buChar char="•"/>
+            </a:pPr>
+            <a:r>
+              <a:rPr lang="en-US" dirty="0" smtClean="0"/>
+              <a:t>A more intuitively way of declaring a class vs ES5 way.</a:t>
+            </a:r>
+          </a:p>
+        </p:txBody>
+      </p:sp>
+      <p:sp>
+        <p:nvSpPr>
+          <p:cNvPr id="4" name="Date Placeholder 3"/>
+          <p:cNvSpPr>
+            <a:spLocks noGrp="1"/>
+          </p:cNvSpPr>
+          <p:nvPr>
+            <p:ph type="dt" sz="half" idx="10"/>
+          </p:nvPr>
+        </p:nvSpPr>
+        <p:spPr/>
+        <p:txBody>
+          <a:bodyPr/>
+          <a:lstStyle/>
+          <a:p>
+            <a:fld id="{216C5678-EE20-4FA5-88E2-6E0BD67A2E26}" type="datetime1">
+              <a:rPr lang="en-US" smtClean="0"/>
+              <a:t>8/19/2018</a:t>
+            </a:fld>
+            <a:endParaRPr lang="en-US" dirty="0"/>
+          </a:p>
+        </p:txBody>
+      </p:sp>
+      <p:sp>
+        <p:nvSpPr>
+          <p:cNvPr id="5" name="Slide Number Placeholder 4"/>
+          <p:cNvSpPr>
+            <a:spLocks noGrp="1"/>
+          </p:cNvSpPr>
+          <p:nvPr>
+            <p:ph type="sldNum" sz="quarter" idx="11"/>
+          </p:nvPr>
+        </p:nvSpPr>
+        <p:spPr/>
+        <p:txBody>
+          <a:bodyPr/>
+          <a:lstStyle/>
+          <a:p>
+            <a:fld id="{BA9B540C-44DA-4F69-89C9-7C84606640D3}" type="slidenum">
+              <a:rPr lang="en-US" smtClean="0"/>
+              <a:pPr/>
+              <a:t>13</a:t>
+            </a:fld>
+            <a:endParaRPr lang="en-US" dirty="0"/>
+          </a:p>
+        </p:txBody>
+      </p:sp>
+      <p:sp>
+        <p:nvSpPr>
+          <p:cNvPr id="6" name="Footer Placeholder 5"/>
+          <p:cNvSpPr>
+            <a:spLocks noGrp="1"/>
+          </p:cNvSpPr>
+          <p:nvPr>
+            <p:ph type="ftr" sz="quarter" idx="12"/>
+          </p:nvPr>
+        </p:nvSpPr>
+        <p:spPr/>
+        <p:txBody>
+          <a:bodyPr/>
+          <a:lstStyle/>
+          <a:p>
+            <a:r>
+              <a:rPr lang="en-US" smtClean="0"/>
+              <a:t>Footer Text</a:t>
+            </a:r>
+            <a:endParaRPr lang="en-US" dirty="0"/>
+          </a:p>
+        </p:txBody>
+      </p:sp>
+    </p:spTree>
+    <p:extLst>
+      <p:ext uri="{BB962C8B-B14F-4D97-AF65-F5344CB8AC3E}">
+        <p14:creationId xmlns:p14="http://schemas.microsoft.com/office/powerpoint/2010/main" val="1522937262"/>
+      </p:ext>
+    </p:extLst>
+  </p:cSld>
+  <p:clrMapOvr>
+    <a:masterClrMapping/>
+  </p:clrMapOvr>
+</p:sld>
+</file>
+
+<file path=ppt/slides/slide14.xml><?xml version="1.0" encoding="utf-8"?>
+<p:sld xmlns:a="http://schemas.openxmlformats.org/drawingml/2006/main" xmlns:r="http://schemas.openxmlformats.org/officeDocument/2006/relationships" xmlns:p="http://schemas.openxmlformats.org/presentationml/2006/main">
+  <p:cSld>
+    <p:spTree>
+      <p:nvGrpSpPr>
+        <p:cNvPr id="1" name=""/>
+        <p:cNvGrpSpPr/>
+        <p:nvPr/>
+      </p:nvGrpSpPr>
+      <p:grpSpPr>
+        <a:xfrm>
+          <a:off x="0" y="0"/>
+          <a:ext cx="0" cy="0"/>
+          <a:chOff x="0" y="0"/>
+          <a:chExt cx="0" cy="0"/>
+        </a:xfrm>
+      </p:grpSpPr>
+      <p:sp>
+        <p:nvSpPr>
+          <p:cNvPr id="2" name="Title 1"/>
+          <p:cNvSpPr>
+            <a:spLocks noGrp="1"/>
+          </p:cNvSpPr>
+          <p:nvPr>
+            <p:ph type="ctrTitle"/>
+          </p:nvPr>
+        </p:nvSpPr>
+        <p:spPr>
+          <a:xfrm>
+            <a:off x="685800" y="228600"/>
+            <a:ext cx="7772400" cy="685800"/>
+          </a:xfrm>
+        </p:spPr>
+        <p:txBody>
+          <a:bodyPr/>
+          <a:lstStyle/>
+          <a:p>
+            <a:pPr algn="l"/>
+            <a:r>
+              <a:rPr lang="en-US" sz="4000" dirty="0"/>
+              <a:t>Generator &amp; </a:t>
+            </a:r>
+            <a:r>
+              <a:rPr lang="en-US" sz="4000" dirty="0" smtClean="0"/>
+              <a:t>Iterator</a:t>
+            </a:r>
+            <a:endParaRPr lang="en-US" sz="4000" dirty="0"/>
+          </a:p>
+        </p:txBody>
+      </p:sp>
+      <p:sp>
+        <p:nvSpPr>
+          <p:cNvPr id="3" name="Subtitle 2"/>
+          <p:cNvSpPr>
+            <a:spLocks noGrp="1"/>
+          </p:cNvSpPr>
+          <p:nvPr>
+            <p:ph type="subTitle" idx="1"/>
+          </p:nvPr>
+        </p:nvSpPr>
+        <p:spPr>
+          <a:xfrm>
+            <a:off x="685800" y="1119886"/>
+            <a:ext cx="7924800" cy="5257800"/>
+          </a:xfrm>
+        </p:spPr>
+        <p:txBody>
+          <a:bodyPr>
+            <a:noAutofit/>
+          </a:bodyPr>
+          <a:lstStyle/>
+          <a:p>
+            <a:pPr marL="342900" indent="-342900" algn="l">
+              <a:buFont typeface="Arial" panose="020B0604020202020204" pitchFamily="34" charset="0"/>
+              <a:buChar char="•"/>
+            </a:pPr>
+            <a:endParaRPr lang="en-US" dirty="0" smtClean="0"/>
+          </a:p>
+        </p:txBody>
+      </p:sp>
+      <p:sp>
+        <p:nvSpPr>
+          <p:cNvPr id="4" name="Date Placeholder 3"/>
+          <p:cNvSpPr>
+            <a:spLocks noGrp="1"/>
+          </p:cNvSpPr>
+          <p:nvPr>
+            <p:ph type="dt" sz="half" idx="10"/>
+          </p:nvPr>
+        </p:nvSpPr>
+        <p:spPr/>
+        <p:txBody>
+          <a:bodyPr/>
+          <a:lstStyle/>
+          <a:p>
+            <a:fld id="{216C5678-EE20-4FA5-88E2-6E0BD67A2E26}" type="datetime1">
+              <a:rPr lang="en-US" smtClean="0"/>
+              <a:t>8/19/2018</a:t>
+            </a:fld>
+            <a:endParaRPr lang="en-US" dirty="0"/>
+          </a:p>
+        </p:txBody>
+      </p:sp>
+      <p:sp>
+        <p:nvSpPr>
+          <p:cNvPr id="5" name="Slide Number Placeholder 4"/>
+          <p:cNvSpPr>
+            <a:spLocks noGrp="1"/>
+          </p:cNvSpPr>
+          <p:nvPr>
+            <p:ph type="sldNum" sz="quarter" idx="11"/>
+          </p:nvPr>
+        </p:nvSpPr>
+        <p:spPr/>
+        <p:txBody>
+          <a:bodyPr/>
+          <a:lstStyle/>
+          <a:p>
+            <a:fld id="{BA9B540C-44DA-4F69-89C9-7C84606640D3}" type="slidenum">
+              <a:rPr lang="en-US" smtClean="0"/>
+              <a:pPr/>
+              <a:t>14</a:t>
+            </a:fld>
+            <a:endParaRPr lang="en-US" dirty="0"/>
+          </a:p>
+        </p:txBody>
+      </p:sp>
+      <p:sp>
+        <p:nvSpPr>
+          <p:cNvPr id="6" name="Footer Placeholder 5"/>
+          <p:cNvSpPr>
+            <a:spLocks noGrp="1"/>
+          </p:cNvSpPr>
+          <p:nvPr>
+            <p:ph type="ftr" sz="quarter" idx="12"/>
+          </p:nvPr>
+        </p:nvSpPr>
+        <p:spPr/>
+        <p:txBody>
+          <a:bodyPr/>
+          <a:lstStyle/>
+          <a:p>
+            <a:r>
+              <a:rPr lang="en-US" smtClean="0"/>
+              <a:t>Footer Text</a:t>
+            </a:r>
+            <a:endParaRPr lang="en-US" dirty="0"/>
+          </a:p>
+        </p:txBody>
+      </p:sp>
+    </p:spTree>
+    <p:extLst>
+      <p:ext uri="{BB962C8B-B14F-4D97-AF65-F5344CB8AC3E}">
+        <p14:creationId xmlns:p14="http://schemas.microsoft.com/office/powerpoint/2010/main" val="821743845"/>
+      </p:ext>
+    </p:extLst>
+  </p:cSld>
+  <p:clrMapOvr>
+    <a:masterClrMapping/>
+  </p:clrMapOvr>
+</p:sld>
+</file>
+
+<file path=ppt/slides/slide15.xml><?xml version="1.0" encoding="utf-8"?>
+<p:sld xmlns:a="http://schemas.openxmlformats.org/drawingml/2006/main" xmlns:r="http://schemas.openxmlformats.org/officeDocument/2006/relationships" xmlns:p="http://schemas.openxmlformats.org/presentationml/2006/main">
+  <p:cSld>
+    <p:spTree>
+      <p:nvGrpSpPr>
+        <p:cNvPr id="1" name=""/>
+        <p:cNvGrpSpPr/>
+        <p:nvPr/>
+      </p:nvGrpSpPr>
+      <p:grpSpPr>
+        <a:xfrm>
+          <a:off x="0" y="0"/>
+          <a:ext cx="0" cy="0"/>
+          <a:chOff x="0" y="0"/>
+          <a:chExt cx="0" cy="0"/>
+        </a:xfrm>
+      </p:grpSpPr>
+      <p:sp>
+        <p:nvSpPr>
+          <p:cNvPr id="2" name="Title 1"/>
+          <p:cNvSpPr>
+            <a:spLocks noGrp="1"/>
+          </p:cNvSpPr>
+          <p:nvPr>
+            <p:ph type="ctrTitle"/>
+          </p:nvPr>
+        </p:nvSpPr>
+        <p:spPr>
+          <a:xfrm>
+            <a:off x="685800" y="228600"/>
+            <a:ext cx="7772400" cy="685800"/>
+          </a:xfrm>
+        </p:spPr>
+        <p:txBody>
+          <a:bodyPr/>
+          <a:lstStyle/>
+          <a:p>
+            <a:pPr algn="l"/>
+            <a:r>
+              <a:rPr lang="en-US" sz="4000" dirty="0"/>
+              <a:t>Array Comprehension</a:t>
+            </a:r>
+          </a:p>
+        </p:txBody>
+      </p:sp>
+      <p:sp>
+        <p:nvSpPr>
+          <p:cNvPr id="3" name="Subtitle 2"/>
+          <p:cNvSpPr>
+            <a:spLocks noGrp="1"/>
+          </p:cNvSpPr>
+          <p:nvPr>
+            <p:ph type="subTitle" idx="1"/>
+          </p:nvPr>
+        </p:nvSpPr>
+        <p:spPr>
+          <a:xfrm>
+            <a:off x="685800" y="1119886"/>
+            <a:ext cx="7924800" cy="5257800"/>
+          </a:xfrm>
+        </p:spPr>
+        <p:txBody>
+          <a:bodyPr>
+            <a:noAutofit/>
+          </a:bodyPr>
+          <a:lstStyle/>
+          <a:p>
+            <a:pPr marL="342900" indent="-342900" algn="l">
+              <a:buFont typeface="Arial" panose="020B0604020202020204" pitchFamily="34" charset="0"/>
+              <a:buChar char="•"/>
+            </a:pPr>
+            <a:endParaRPr lang="en-US" dirty="0" smtClean="0"/>
+          </a:p>
+        </p:txBody>
+      </p:sp>
+      <p:sp>
+        <p:nvSpPr>
+          <p:cNvPr id="4" name="Date Placeholder 3"/>
+          <p:cNvSpPr>
+            <a:spLocks noGrp="1"/>
+          </p:cNvSpPr>
+          <p:nvPr>
+            <p:ph type="dt" sz="half" idx="10"/>
+          </p:nvPr>
+        </p:nvSpPr>
+        <p:spPr/>
+        <p:txBody>
+          <a:bodyPr/>
+          <a:lstStyle/>
+          <a:p>
+            <a:fld id="{216C5678-EE20-4FA5-88E2-6E0BD67A2E26}" type="datetime1">
+              <a:rPr lang="en-US" smtClean="0"/>
+              <a:t>8/19/2018</a:t>
+            </a:fld>
+            <a:endParaRPr lang="en-US" dirty="0"/>
+          </a:p>
+        </p:txBody>
+      </p:sp>
+      <p:sp>
+        <p:nvSpPr>
+          <p:cNvPr id="5" name="Slide Number Placeholder 4"/>
+          <p:cNvSpPr>
+            <a:spLocks noGrp="1"/>
+          </p:cNvSpPr>
+          <p:nvPr>
+            <p:ph type="sldNum" sz="quarter" idx="11"/>
+          </p:nvPr>
+        </p:nvSpPr>
+        <p:spPr/>
+        <p:txBody>
+          <a:bodyPr/>
+          <a:lstStyle/>
+          <a:p>
+            <a:fld id="{BA9B540C-44DA-4F69-89C9-7C84606640D3}" type="slidenum">
+              <a:rPr lang="en-US" smtClean="0"/>
+              <a:pPr/>
+              <a:t>15</a:t>
+            </a:fld>
+            <a:endParaRPr lang="en-US" dirty="0"/>
+          </a:p>
+        </p:txBody>
+      </p:sp>
+      <p:sp>
+        <p:nvSpPr>
+          <p:cNvPr id="6" name="Footer Placeholder 5"/>
+          <p:cNvSpPr>
+            <a:spLocks noGrp="1"/>
+          </p:cNvSpPr>
+          <p:nvPr>
+            <p:ph type="ftr" sz="quarter" idx="12"/>
+          </p:nvPr>
+        </p:nvSpPr>
+        <p:spPr/>
+        <p:txBody>
+          <a:bodyPr/>
+          <a:lstStyle/>
+          <a:p>
+            <a:r>
+              <a:rPr lang="en-US" smtClean="0"/>
+              <a:t>Footer Text</a:t>
+            </a:r>
+            <a:endParaRPr lang="en-US" dirty="0"/>
+          </a:p>
+        </p:txBody>
+      </p:sp>
+    </p:spTree>
+    <p:extLst>
+      <p:ext uri="{BB962C8B-B14F-4D97-AF65-F5344CB8AC3E}">
+        <p14:creationId xmlns:p14="http://schemas.microsoft.com/office/powerpoint/2010/main" val="3314752082"/>
+      </p:ext>
+    </p:extLst>
+  </p:cSld>
+  <p:clrMapOvr>
+    <a:masterClrMapping/>
+  </p:clrMapOvr>
+</p:sld>
+</file>
+
+<file path=ppt/slides/slide16.xml><?xml version="1.0" encoding="utf-8"?>
+<p:sld xmlns:a="http://schemas.openxmlformats.org/drawingml/2006/main" xmlns:r="http://schemas.openxmlformats.org/officeDocument/2006/relationships" xmlns:p="http://schemas.openxmlformats.org/presentationml/2006/main">
+  <p:cSld>
+    <p:spTree>
+      <p:nvGrpSpPr>
+        <p:cNvPr id="1" name=""/>
+        <p:cNvGrpSpPr/>
+        <p:nvPr/>
+      </p:nvGrpSpPr>
+      <p:grpSpPr>
+        <a:xfrm>
+          <a:off x="0" y="0"/>
+          <a:ext cx="0" cy="0"/>
+          <a:chOff x="0" y="0"/>
+          <a:chExt cx="0" cy="0"/>
+        </a:xfrm>
+      </p:grpSpPr>
+      <p:sp>
+        <p:nvSpPr>
+          <p:cNvPr id="2" name="Title 1"/>
+          <p:cNvSpPr>
+            <a:spLocks noGrp="1"/>
+          </p:cNvSpPr>
+          <p:nvPr>
+            <p:ph type="ctrTitle"/>
+          </p:nvPr>
+        </p:nvSpPr>
+        <p:spPr>
+          <a:xfrm>
+            <a:off x="685800" y="228600"/>
+            <a:ext cx="7772400" cy="685800"/>
+          </a:xfrm>
+        </p:spPr>
+        <p:txBody>
+          <a:bodyPr/>
+          <a:lstStyle/>
+          <a:p>
+            <a:pPr algn="l"/>
+            <a:r>
               <a:rPr lang="en-US" sz="4400" dirty="0" smtClean="0"/>
               <a:t>Conclusion</a:t>
             </a:r>
@@ -4100,7 +5100,7 @@
             <a:fld id="{BA9B540C-44DA-4F69-89C9-7C84606640D3}" type="slidenum">
               <a:rPr lang="en-US" smtClean="0"/>
               <a:pPr/>
-              <a:t>10</a:t>
+              <a:t>16</a:t>
             </a:fld>
             <a:endParaRPr lang="en-US" dirty="0"/>
           </a:p>
@@ -4913,7 +5913,7 @@
               <a:rPr lang="en-US" dirty="0" err="1" smtClean="0"/>
               <a:t>Destructuring</a:t>
             </a:r>
-            <a:endParaRPr lang="en-US" smtClean="0"/>
+            <a:endParaRPr lang="en-US" dirty="0" smtClean="0"/>
           </a:p>
           <a:p>
             <a:pPr marL="457200" indent="-457200" algn="l">
@@ -4921,7 +5921,7 @@
               <a:buAutoNum type="arabicPeriod"/>
             </a:pPr>
             <a:r>
-              <a:rPr lang="en-US" smtClean="0"/>
+              <a:rPr lang="en-US" dirty="0" smtClean="0"/>
               <a:t>Template </a:t>
             </a:r>
             <a:r>

--- a/es6/es6.pptx
+++ b/es6/es6.pptx
@@ -5,7 +5,7 @@
     <p:sldMasterId id="2147483648" r:id="rId1"/>
   </p:sldMasterIdLst>
   <p:notesMasterIdLst>
-    <p:notesMasterId r:id="rId18"/>
+    <p:notesMasterId r:id="rId16"/>
   </p:notesMasterIdLst>
   <p:sldIdLst>
     <p:sldId id="256" r:id="rId2"/>
@@ -22,8 +22,6 @@
     <p:sldId id="307" r:id="rId13"/>
     <p:sldId id="308" r:id="rId14"/>
     <p:sldId id="309" r:id="rId15"/>
-    <p:sldId id="310" r:id="rId16"/>
-    <p:sldId id="271" r:id="rId17"/>
   </p:sldIdLst>
   <p:sldSz cx="9144000" cy="6858000" type="screen4x3"/>
   <p:notesSz cx="6858000" cy="9144000"/>
@@ -4653,13 +4651,8 @@
             <a:pPr algn="l"/>
             <a:r>
               <a:rPr lang="en-US" sz="4000" dirty="0"/>
-              <a:t>Generator &amp; </a:t>
-            </a:r>
-            <a:r>
-              <a:rPr lang="en-US" sz="4000" dirty="0" smtClean="0"/>
-              <a:t>Iterator</a:t>
-            </a:r>
-            <a:endParaRPr lang="en-US" sz="4000" dirty="0"/>
+              <a:t>Generator &amp; Iterator</a:t>
+            </a:r>
           </a:p>
         </p:txBody>
       </p:sp>
@@ -4689,7 +4682,116 @@
               <a:buFont typeface="Arial" panose="020B0604020202020204" pitchFamily="34" charset="0"/>
               <a:buChar char="•"/>
             </a:pPr>
-            <a:endParaRPr lang="en-US" dirty="0" smtClean="0"/>
+            <a:r>
+              <a:rPr lang="en-US" sz="1600" dirty="0" smtClean="0"/>
+              <a:t>let </a:t>
+            </a:r>
+            <a:r>
+              <a:rPr lang="en-US" sz="1600" dirty="0" err="1" smtClean="0"/>
+              <a:t>genNumber</a:t>
+            </a:r>
+            <a:r>
+              <a:rPr lang="en-US" sz="1600" dirty="0" smtClean="0"/>
+              <a:t> = function* () {</a:t>
+            </a:r>
+          </a:p>
+          <a:p>
+            <a:pPr algn="l"/>
+            <a:r>
+              <a:rPr lang="en-US" sz="1600" dirty="0"/>
+              <a:t> </a:t>
+            </a:r>
+            <a:r>
+              <a:rPr lang="en-US" sz="1600" dirty="0" smtClean="0"/>
+              <a:t>                   yield 1;</a:t>
+            </a:r>
+          </a:p>
+          <a:p>
+            <a:pPr algn="l"/>
+            <a:r>
+              <a:rPr lang="en-US" sz="1600" dirty="0"/>
+              <a:t> </a:t>
+            </a:r>
+            <a:r>
+              <a:rPr lang="en-US" sz="1600" dirty="0" smtClean="0"/>
+              <a:t>                   yield 2;</a:t>
+            </a:r>
+          </a:p>
+          <a:p>
+            <a:pPr algn="l"/>
+            <a:r>
+              <a:rPr lang="en-US" sz="1600" dirty="0" smtClean="0"/>
+              <a:t>	}</a:t>
+            </a:r>
+          </a:p>
+          <a:p>
+            <a:pPr algn="l"/>
+            <a:r>
+              <a:rPr lang="en-US" sz="1600" dirty="0"/>
+              <a:t> </a:t>
+            </a:r>
+            <a:r>
+              <a:rPr lang="en-US" sz="1600" dirty="0" smtClean="0"/>
+              <a:t>          -------------------</a:t>
+            </a:r>
+          </a:p>
+          <a:p>
+            <a:pPr algn="l"/>
+            <a:r>
+              <a:rPr lang="en-US" sz="1600" dirty="0"/>
+              <a:t> </a:t>
+            </a:r>
+            <a:r>
+              <a:rPr lang="en-US" sz="1600" dirty="0" smtClean="0"/>
+              <a:t>          </a:t>
+            </a:r>
+            <a:r>
+              <a:rPr lang="en-US" sz="1600" dirty="0" err="1" smtClean="0"/>
+              <a:t>iter</a:t>
+            </a:r>
+            <a:r>
+              <a:rPr lang="en-US" sz="1600" dirty="0" smtClean="0"/>
+              <a:t> = </a:t>
+            </a:r>
+            <a:r>
+              <a:rPr lang="en-US" sz="1600" dirty="0" err="1" smtClean="0"/>
+              <a:t>genNumber</a:t>
+            </a:r>
+            <a:r>
+              <a:rPr lang="en-US" sz="1600" dirty="0" smtClean="0"/>
+              <a:t>();</a:t>
+            </a:r>
+          </a:p>
+          <a:p>
+            <a:pPr algn="l"/>
+            <a:r>
+              <a:rPr lang="en-US" sz="1600" dirty="0"/>
+              <a:t> </a:t>
+            </a:r>
+            <a:r>
+              <a:rPr lang="en-US" sz="1600" dirty="0" smtClean="0"/>
+              <a:t>          </a:t>
+            </a:r>
+            <a:r>
+              <a:rPr lang="en-US" sz="1600" dirty="0" err="1" smtClean="0"/>
+              <a:t>iter.next</a:t>
+            </a:r>
+            <a:r>
+              <a:rPr lang="en-US" sz="1600" dirty="0" smtClean="0"/>
+              <a:t>().value</a:t>
+            </a:r>
+          </a:p>
+          <a:p>
+            <a:pPr algn="l"/>
+            <a:r>
+              <a:rPr lang="en-US" dirty="0"/>
+              <a:t> </a:t>
+            </a:r>
+            <a:r>
+              <a:rPr lang="en-US" dirty="0" smtClean="0"/>
+              <a:t>          </a:t>
+            </a:r>
+            <a:endParaRPr lang="en-US" dirty="0"/>
           </a:p>
         </p:txBody>
       </p:sp>
@@ -4710,7 +4812,7 @@
           <a:p>
             <a:fld id="{216C5678-EE20-4FA5-88E2-6E0BD67A2E26}" type="datetime1">
               <a:rPr lang="en-US" smtClean="0"/>
-              <a:t>8/19/2018</a:t>
+              <a:t>8/28/2018</a:t>
             </a:fld>
             <a:endParaRPr lang="en-US" dirty="0"/>
           </a:p>
@@ -4767,372 +4869,6 @@
     <p:extLst>
       <p:ext uri="{BB962C8B-B14F-4D97-AF65-F5344CB8AC3E}">
         <p14:creationId xmlns:p14="http://schemas.microsoft.com/office/powerpoint/2010/main" val="821743845"/>
-      </p:ext>
-    </p:extLst>
-  </p:cSld>
-  <p:clrMapOvr>
-    <a:masterClrMapping/>
-  </p:clrMapOvr>
-</p:sld>
-</file>
-
-<file path=ppt/slides/slide15.xml><?xml version="1.0" encoding="utf-8"?>
-<p:sld xmlns:a="http://schemas.openxmlformats.org/drawingml/2006/main" xmlns:r="http://schemas.openxmlformats.org/officeDocument/2006/relationships" xmlns:p="http://schemas.openxmlformats.org/presentationml/2006/main">
-  <p:cSld>
-    <p:spTree>
-      <p:nvGrpSpPr>
-        <p:cNvPr id="1" name=""/>
-        <p:cNvGrpSpPr/>
-        <p:nvPr/>
-      </p:nvGrpSpPr>
-      <p:grpSpPr>
-        <a:xfrm>
-          <a:off x="0" y="0"/>
-          <a:ext cx="0" cy="0"/>
-          <a:chOff x="0" y="0"/>
-          <a:chExt cx="0" cy="0"/>
-        </a:xfrm>
-      </p:grpSpPr>
-      <p:sp>
-        <p:nvSpPr>
-          <p:cNvPr id="2" name="Title 1"/>
-          <p:cNvSpPr>
-            <a:spLocks noGrp="1"/>
-          </p:cNvSpPr>
-          <p:nvPr>
-            <p:ph type="ctrTitle"/>
-          </p:nvPr>
-        </p:nvSpPr>
-        <p:spPr>
-          <a:xfrm>
-            <a:off x="685800" y="228600"/>
-            <a:ext cx="7772400" cy="685800"/>
-          </a:xfrm>
-        </p:spPr>
-        <p:txBody>
-          <a:bodyPr/>
-          <a:lstStyle/>
-          <a:p>
-            <a:pPr algn="l"/>
-            <a:r>
-              <a:rPr lang="en-US" sz="4000" dirty="0"/>
-              <a:t>Array Comprehension</a:t>
-            </a:r>
-          </a:p>
-        </p:txBody>
-      </p:sp>
-      <p:sp>
-        <p:nvSpPr>
-          <p:cNvPr id="3" name="Subtitle 2"/>
-          <p:cNvSpPr>
-            <a:spLocks noGrp="1"/>
-          </p:cNvSpPr>
-          <p:nvPr>
-            <p:ph type="subTitle" idx="1"/>
-          </p:nvPr>
-        </p:nvSpPr>
-        <p:spPr>
-          <a:xfrm>
-            <a:off x="685800" y="1119886"/>
-            <a:ext cx="7924800" cy="5257800"/>
-          </a:xfrm>
-        </p:spPr>
-        <p:txBody>
-          <a:bodyPr>
-            <a:noAutofit/>
-          </a:bodyPr>
-          <a:lstStyle/>
-          <a:p>
-            <a:pPr marL="342900" indent="-342900" algn="l">
-              <a:buFont typeface="Arial" panose="020B0604020202020204" pitchFamily="34" charset="0"/>
-              <a:buChar char="•"/>
-            </a:pPr>
-            <a:endParaRPr lang="en-US" dirty="0" smtClean="0"/>
-          </a:p>
-        </p:txBody>
-      </p:sp>
-      <p:sp>
-        <p:nvSpPr>
-          <p:cNvPr id="4" name="Date Placeholder 3"/>
-          <p:cNvSpPr>
-            <a:spLocks noGrp="1"/>
-          </p:cNvSpPr>
-          <p:nvPr>
-            <p:ph type="dt" sz="half" idx="10"/>
-          </p:nvPr>
-        </p:nvSpPr>
-        <p:spPr/>
-        <p:txBody>
-          <a:bodyPr/>
-          <a:lstStyle/>
-          <a:p>
-            <a:fld id="{216C5678-EE20-4FA5-88E2-6E0BD67A2E26}" type="datetime1">
-              <a:rPr lang="en-US" smtClean="0"/>
-              <a:t>8/19/2018</a:t>
-            </a:fld>
-            <a:endParaRPr lang="en-US" dirty="0"/>
-          </a:p>
-        </p:txBody>
-      </p:sp>
-      <p:sp>
-        <p:nvSpPr>
-          <p:cNvPr id="5" name="Slide Number Placeholder 4"/>
-          <p:cNvSpPr>
-            <a:spLocks noGrp="1"/>
-          </p:cNvSpPr>
-          <p:nvPr>
-            <p:ph type="sldNum" sz="quarter" idx="11"/>
-          </p:nvPr>
-        </p:nvSpPr>
-        <p:spPr/>
-        <p:txBody>
-          <a:bodyPr/>
-          <a:lstStyle/>
-          <a:p>
-            <a:fld id="{BA9B540C-44DA-4F69-89C9-7C84606640D3}" type="slidenum">
-              <a:rPr lang="en-US" smtClean="0"/>
-              <a:pPr/>
-              <a:t>15</a:t>
-            </a:fld>
-            <a:endParaRPr lang="en-US" dirty="0"/>
-          </a:p>
-        </p:txBody>
-      </p:sp>
-      <p:sp>
-        <p:nvSpPr>
-          <p:cNvPr id="6" name="Footer Placeholder 5"/>
-          <p:cNvSpPr>
-            <a:spLocks noGrp="1"/>
-          </p:cNvSpPr>
-          <p:nvPr>
-            <p:ph type="ftr" sz="quarter" idx="12"/>
-          </p:nvPr>
-        </p:nvSpPr>
-        <p:spPr/>
-        <p:txBody>
-          <a:bodyPr/>
-          <a:lstStyle/>
-          <a:p>
-            <a:r>
-              <a:rPr lang="en-US" smtClean="0"/>
-              <a:t>Footer Text</a:t>
-            </a:r>
-            <a:endParaRPr lang="en-US" dirty="0"/>
-          </a:p>
-        </p:txBody>
-      </p:sp>
-    </p:spTree>
-    <p:extLst>
-      <p:ext uri="{BB962C8B-B14F-4D97-AF65-F5344CB8AC3E}">
-        <p14:creationId xmlns:p14="http://schemas.microsoft.com/office/powerpoint/2010/main" val="3314752082"/>
-      </p:ext>
-    </p:extLst>
-  </p:cSld>
-  <p:clrMapOvr>
-    <a:masterClrMapping/>
-  </p:clrMapOvr>
-</p:sld>
-</file>
-
-<file path=ppt/slides/slide16.xml><?xml version="1.0" encoding="utf-8"?>
-<p:sld xmlns:a="http://schemas.openxmlformats.org/drawingml/2006/main" xmlns:r="http://schemas.openxmlformats.org/officeDocument/2006/relationships" xmlns:p="http://schemas.openxmlformats.org/presentationml/2006/main">
-  <p:cSld>
-    <p:spTree>
-      <p:nvGrpSpPr>
-        <p:cNvPr id="1" name=""/>
-        <p:cNvGrpSpPr/>
-        <p:nvPr/>
-      </p:nvGrpSpPr>
-      <p:grpSpPr>
-        <a:xfrm>
-          <a:off x="0" y="0"/>
-          <a:ext cx="0" cy="0"/>
-          <a:chOff x="0" y="0"/>
-          <a:chExt cx="0" cy="0"/>
-        </a:xfrm>
-      </p:grpSpPr>
-      <p:sp>
-        <p:nvSpPr>
-          <p:cNvPr id="2" name="Title 1"/>
-          <p:cNvSpPr>
-            <a:spLocks noGrp="1"/>
-          </p:cNvSpPr>
-          <p:nvPr>
-            <p:ph type="ctrTitle"/>
-          </p:nvPr>
-        </p:nvSpPr>
-        <p:spPr>
-          <a:xfrm>
-            <a:off x="685800" y="228600"/>
-            <a:ext cx="7772400" cy="685800"/>
-          </a:xfrm>
-        </p:spPr>
-        <p:txBody>
-          <a:bodyPr/>
-          <a:lstStyle/>
-          <a:p>
-            <a:pPr algn="l"/>
-            <a:r>
-              <a:rPr lang="en-US" sz="4400" dirty="0" smtClean="0"/>
-              <a:t>Conclusion</a:t>
-            </a:r>
-            <a:endParaRPr lang="en-US" sz="4400" dirty="0"/>
-          </a:p>
-        </p:txBody>
-      </p:sp>
-      <p:sp>
-        <p:nvSpPr>
-          <p:cNvPr id="3" name="Subtitle 2"/>
-          <p:cNvSpPr>
-            <a:spLocks noGrp="1"/>
-          </p:cNvSpPr>
-          <p:nvPr>
-            <p:ph type="subTitle" idx="1"/>
-          </p:nvPr>
-        </p:nvSpPr>
-        <p:spPr>
-          <a:xfrm>
-            <a:off x="659165" y="1143000"/>
-            <a:ext cx="7315200" cy="1676400"/>
-          </a:xfrm>
-        </p:spPr>
-        <p:txBody>
-          <a:bodyPr>
-            <a:noAutofit/>
-          </a:bodyPr>
-          <a:lstStyle/>
-          <a:p>
-            <a:pPr marL="342900" indent="-342900" algn="l">
-              <a:buFont typeface="Arial" panose="020B0604020202020204" pitchFamily="34" charset="0"/>
-              <a:buChar char="•"/>
-            </a:pPr>
-            <a:r>
-              <a:rPr lang="en-US" sz="3200" dirty="0" smtClean="0"/>
-              <a:t>Discussion of </a:t>
-            </a:r>
-            <a:r>
-              <a:rPr lang="en-US" sz="3200" dirty="0" err="1" smtClean="0"/>
-              <a:t>Git</a:t>
-            </a:r>
-            <a:endParaRPr lang="en-US" sz="3200" dirty="0"/>
-          </a:p>
-          <a:p>
-            <a:pPr marL="342900" indent="-342900" algn="l">
-              <a:buFont typeface="Arial" panose="020B0604020202020204" pitchFamily="34" charset="0"/>
-              <a:buChar char="•"/>
-            </a:pPr>
-            <a:r>
-              <a:rPr lang="en-US" sz="3200" dirty="0" err="1" smtClean="0"/>
-              <a:t>GitExtension</a:t>
-            </a:r>
-            <a:r>
-              <a:rPr lang="en-US" sz="3200" dirty="0" smtClean="0"/>
-              <a:t> </a:t>
-            </a:r>
-            <a:r>
-              <a:rPr lang="en-US" sz="3200" dirty="0" err="1" smtClean="0"/>
-              <a:t>git</a:t>
-            </a:r>
-            <a:r>
-              <a:rPr lang="en-US" sz="3200" smtClean="0"/>
-              <a:t> client.</a:t>
-            </a:r>
-            <a:endParaRPr lang="en-US" sz="3200" dirty="0" smtClean="0"/>
-          </a:p>
-          <a:p>
-            <a:pPr marL="342900" indent="-342900" algn="l">
-              <a:buFont typeface="Arial" panose="020B0604020202020204" pitchFamily="34" charset="0"/>
-              <a:buChar char="•"/>
-            </a:pPr>
-            <a:r>
-              <a:rPr lang="en-US" sz="3200" dirty="0" smtClean="0"/>
-              <a:t>Centralized vs Distributed SCM</a:t>
-            </a:r>
-            <a:endParaRPr lang="en-US" sz="2400" dirty="0" smtClean="0"/>
-          </a:p>
-          <a:p>
-            <a:pPr marL="800100" lvl="1" indent="-342900" algn="l">
-              <a:buFontTx/>
-              <a:buChar char="-"/>
-            </a:pPr>
-            <a:endParaRPr lang="en-US" sz="2400" dirty="0"/>
-          </a:p>
-        </p:txBody>
-      </p:sp>
-      <p:sp>
-        <p:nvSpPr>
-          <p:cNvPr id="4" name="Date Placeholder 3"/>
-          <p:cNvSpPr>
-            <a:spLocks noGrp="1"/>
-          </p:cNvSpPr>
-          <p:nvPr>
-            <p:ph type="dt" sz="half" idx="10"/>
-          </p:nvPr>
-        </p:nvSpPr>
-        <p:spPr/>
-        <p:txBody>
-          <a:bodyPr/>
-          <a:lstStyle/>
-          <a:p>
-            <a:fld id="{216C5678-EE20-4FA5-88E2-6E0BD67A2E26}" type="datetime1">
-              <a:rPr lang="en-US" smtClean="0"/>
-              <a:t>8/18/2018</a:t>
-            </a:fld>
-            <a:endParaRPr lang="en-US" dirty="0"/>
-          </a:p>
-        </p:txBody>
-      </p:sp>
-      <p:sp>
-        <p:nvSpPr>
-          <p:cNvPr id="5" name="Slide Number Placeholder 4"/>
-          <p:cNvSpPr>
-            <a:spLocks noGrp="1"/>
-          </p:cNvSpPr>
-          <p:nvPr>
-            <p:ph type="sldNum" sz="quarter" idx="11"/>
-          </p:nvPr>
-        </p:nvSpPr>
-        <p:spPr/>
-        <p:txBody>
-          <a:bodyPr/>
-          <a:lstStyle/>
-          <a:p>
-            <a:fld id="{BA9B540C-44DA-4F69-89C9-7C84606640D3}" type="slidenum">
-              <a:rPr lang="en-US" smtClean="0"/>
-              <a:pPr/>
-              <a:t>16</a:t>
-            </a:fld>
-            <a:endParaRPr lang="en-US" dirty="0"/>
-          </a:p>
-        </p:txBody>
-      </p:sp>
-      <p:sp>
-        <p:nvSpPr>
-          <p:cNvPr id="6" name="Footer Placeholder 5"/>
-          <p:cNvSpPr>
-            <a:spLocks noGrp="1"/>
-          </p:cNvSpPr>
-          <p:nvPr>
-            <p:ph type="ftr" sz="quarter" idx="12"/>
-          </p:nvPr>
-        </p:nvSpPr>
-        <p:spPr/>
-        <p:txBody>
-          <a:bodyPr/>
-          <a:lstStyle/>
-          <a:p>
-            <a:r>
-              <a:rPr lang="en-US" smtClean="0"/>
-              <a:t>Footer Text</a:t>
-            </a:r>
-            <a:endParaRPr lang="en-US" dirty="0"/>
-          </a:p>
-        </p:txBody>
-      </p:sp>
-    </p:spTree>
-    <p:extLst>
-      <p:ext uri="{BB962C8B-B14F-4D97-AF65-F5344CB8AC3E}">
-        <p14:creationId xmlns:p14="http://schemas.microsoft.com/office/powerpoint/2010/main" val="2740892730"/>
       </p:ext>
     </p:extLst>
   </p:cSld>
@@ -5962,18 +5698,21 @@
             </a:pPr>
             <a:r>
               <a:rPr lang="en-US" dirty="0" smtClean="0"/>
-              <a:t>Generator &amp; Iterator.</a:t>
-            </a:r>
-          </a:p>
-          <a:p>
-            <a:pPr marL="457200" indent="-457200" algn="l">
-              <a:buFont typeface="+mj-lt"/>
-              <a:buAutoNum type="arabicPeriod"/>
-            </a:pPr>
-            <a:r>
-              <a:rPr lang="en-US" sz="2400" dirty="0" smtClean="0"/>
-              <a:t>Array Comprehension. </a:t>
-            </a:r>
+              <a:t>Generator &amp; </a:t>
+            </a:r>
+            <a:r>
+              <a:rPr lang="en-US" smtClean="0"/>
+              <a:t>Iterator</a:t>
+            </a:r>
+            <a:r>
+              <a:rPr lang="en-US" smtClean="0"/>
+              <a:t>.</a:t>
+            </a:r>
+            <a:r>
+              <a:rPr lang="en-US" sz="2400" smtClean="0"/>
+              <a:t> </a:t>
+            </a:r>
+            <a:endParaRPr lang="en-US" sz="2400" dirty="0" smtClean="0"/>
           </a:p>
         </p:txBody>
       </p:sp>

--- a/es6/es6.pptx
+++ b/es6/es6.pptx
@@ -5,23 +5,24 @@
     <p:sldMasterId id="2147483648" r:id="rId1"/>
   </p:sldMasterIdLst>
   <p:notesMasterIdLst>
-    <p:notesMasterId r:id="rId16"/>
+    <p:notesMasterId r:id="rId17"/>
   </p:notesMasterIdLst>
   <p:sldIdLst>
     <p:sldId id="256" r:id="rId2"/>
     <p:sldId id="257" r:id="rId3"/>
     <p:sldId id="298" r:id="rId4"/>
     <p:sldId id="299" r:id="rId5"/>
-    <p:sldId id="300" r:id="rId6"/>
-    <p:sldId id="301" r:id="rId7"/>
-    <p:sldId id="302" r:id="rId8"/>
-    <p:sldId id="303" r:id="rId9"/>
-    <p:sldId id="304" r:id="rId10"/>
-    <p:sldId id="305" r:id="rId11"/>
-    <p:sldId id="306" r:id="rId12"/>
-    <p:sldId id="307" r:id="rId13"/>
-    <p:sldId id="308" r:id="rId14"/>
-    <p:sldId id="309" r:id="rId15"/>
+    <p:sldId id="310" r:id="rId6"/>
+    <p:sldId id="300" r:id="rId7"/>
+    <p:sldId id="301" r:id="rId8"/>
+    <p:sldId id="302" r:id="rId9"/>
+    <p:sldId id="303" r:id="rId10"/>
+    <p:sldId id="304" r:id="rId11"/>
+    <p:sldId id="305" r:id="rId12"/>
+    <p:sldId id="306" r:id="rId13"/>
+    <p:sldId id="307" r:id="rId14"/>
+    <p:sldId id="308" r:id="rId15"/>
+    <p:sldId id="309" r:id="rId16"/>
   </p:sldIdLst>
   <p:sldSz cx="9144000" cy="6858000" type="screen4x3"/>
   <p:notesSz cx="6858000" cy="9144000"/>
@@ -221,7 +222,7 @@
           <a:p>
             <a:fld id="{436134EC-835B-48D8-BDB5-96D4A8A8ACE7}" type="datetimeFigureOut">
               <a:rPr lang="en-US" smtClean="0"/>
-              <a:t>8/18/2018</a:t>
+              <a:t>9/1/2018</a:t>
             </a:fld>
             <a:endParaRPr lang="en-US"/>
           </a:p>
@@ -681,7 +682,7 @@
           <a:p>
             <a:fld id="{216C5678-EE20-4FA5-88E2-6E0BD67A2E26}" type="datetime1">
               <a:rPr lang="en-US" smtClean="0"/>
-              <a:t>8/18/2018</a:t>
+              <a:t>9/1/2018</a:t>
             </a:fld>
             <a:endParaRPr lang="en-US" dirty="0"/>
           </a:p>
@@ -851,7 +852,7 @@
           <a:p>
             <a:fld id="{EA051B39-B140-43FE-96DB-472A2B59CE7C}" type="datetime1">
               <a:rPr lang="en-US" smtClean="0"/>
-              <a:t>8/18/2018</a:t>
+              <a:t>9/1/2018</a:t>
             </a:fld>
             <a:endParaRPr lang="en-US"/>
           </a:p>
@@ -1031,7 +1032,7 @@
           <a:p>
             <a:fld id="{DA600BB2-27C5-458B-ABCE-839C88CF47CE}" type="datetime1">
               <a:rPr lang="en-US" smtClean="0"/>
-              <a:t>8/18/2018</a:t>
+              <a:t>9/1/2018</a:t>
             </a:fld>
             <a:endParaRPr lang="en-US"/>
           </a:p>
@@ -1219,7 +1220,7 @@
           <a:p>
             <a:fld id="{B11D738E-8962-435F-8C43-147B8DD7E819}" type="datetime1">
               <a:rPr lang="en-US" smtClean="0"/>
-              <a:t>8/18/2018</a:t>
+              <a:t>9/1/2018</a:t>
             </a:fld>
             <a:endParaRPr lang="en-US"/>
           </a:p>
@@ -1486,7 +1487,7 @@
           <a:p>
             <a:fld id="{09CAEA93-55E7-4DA9-90C2-089A26EEFEC4}" type="datetime1">
               <a:rPr lang="en-US" smtClean="0"/>
-              <a:t>8/18/2018</a:t>
+              <a:t>9/1/2018</a:t>
             </a:fld>
             <a:endParaRPr lang="en-US"/>
           </a:p>
@@ -1839,7 +1840,7 @@
           <a:p>
             <a:fld id="{E34CF3C7-6809-4F39-BD67-A75817BDDE0A}" type="datetime1">
               <a:rPr lang="en-US" smtClean="0"/>
-              <a:t>8/18/2018</a:t>
+              <a:t>9/1/2018</a:t>
             </a:fld>
             <a:endParaRPr lang="en-US"/>
           </a:p>
@@ -2152,7 +2153,7 @@
           <a:p>
             <a:fld id="{F7EAEB24-CE78-465C-A726-91D0868FA48F}" type="datetime1">
               <a:rPr lang="en-US" smtClean="0"/>
-              <a:t>8/18/2018</a:t>
+              <a:t>9/1/2018</a:t>
             </a:fld>
             <a:endParaRPr lang="en-US"/>
           </a:p>
@@ -2384,7 +2385,7 @@
           <a:p>
             <a:fld id="{40BAADF0-1749-4E8B-9691-B44A5F8C0895}" type="datetime1">
               <a:rPr lang="en-US" smtClean="0"/>
-              <a:t>8/18/2018</a:t>
+              <a:t>9/1/2018</a:t>
             </a:fld>
             <a:endParaRPr lang="en-US"/>
           </a:p>
@@ -2479,7 +2480,7 @@
           <a:p>
             <a:fld id="{A8AF628A-A867-4937-BBE5-207DB6F9C51A}" type="datetime1">
               <a:rPr lang="en-US" smtClean="0"/>
-              <a:t>8/18/2018</a:t>
+              <a:t>9/1/2018</a:t>
             </a:fld>
             <a:endParaRPr lang="en-US"/>
           </a:p>
@@ -2772,7 +2773,7 @@
           <a:p>
             <a:fld id="{118BBB94-68E6-4675-A946-F1C5994EDBD7}" type="datetime1">
               <a:rPr lang="en-US" smtClean="0"/>
-              <a:t>8/18/2018</a:t>
+              <a:t>9/1/2018</a:t>
             </a:fld>
             <a:endParaRPr lang="en-US"/>
           </a:p>
@@ -3046,7 +3047,7 @@
           <a:p>
             <a:fld id="{DC3B8377-21E3-4835-B75D-4E2847E2750F}" type="datetime1">
               <a:rPr lang="en-US" smtClean="0"/>
-              <a:t>8/18/2018</a:t>
+              <a:t>9/1/2018</a:t>
             </a:fld>
             <a:endParaRPr lang="en-US"/>
           </a:p>
@@ -3261,7 +3262,7 @@
           <a:p>
             <a:fld id="{B0C4986D-6BE9-4264-908F-02DB36FD8D6C}" type="datetime1">
               <a:rPr lang="en-US" smtClean="0"/>
-              <a:t>8/18/2018</a:t>
+              <a:t>9/1/2018</a:t>
             </a:fld>
             <a:endParaRPr lang="en-US" dirty="0"/>
           </a:p>
@@ -3872,7 +3873,7 @@
           <a:p>
             <a:fld id="{216C5678-EE20-4FA5-88E2-6E0BD67A2E26}" type="datetime1">
               <a:rPr lang="en-US" smtClean="0"/>
-              <a:t>8/18/2018</a:t>
+              <a:t>9/1/2018</a:t>
             </a:fld>
             <a:endParaRPr lang="en-US" dirty="0"/>
           </a:p>
@@ -3977,8 +3978,8 @@
           <a:p>
             <a:pPr algn="l"/>
             <a:r>
-              <a:rPr lang="en-US" sz="4000" dirty="0" err="1" smtClean="0"/>
-              <a:t>Destructuring</a:t>
+              <a:rPr lang="en-US" sz="4000" dirty="0" smtClean="0"/>
+              <a:t>Default Parameter</a:t>
             </a:r>
             <a:endParaRPr lang="en-US" sz="4000" dirty="0"/>
           </a:p>
@@ -4012,7 +4013,28 @@
             </a:pPr>
             <a:r>
               <a:rPr lang="en-US" dirty="0" smtClean="0"/>
-              <a:t>Quickly unpack an object properties.</a:t>
+              <a:t>Handle undefined input parameter</a:t>
+            </a:r>
+          </a:p>
+          <a:p>
+            <a:pPr marL="342900" indent="-342900" algn="l">
+              <a:buFont typeface="Arial" panose="020B0604020202020204" pitchFamily="34" charset="0"/>
+              <a:buChar char="•"/>
+            </a:pPr>
+            <a:r>
+              <a:rPr lang="en-US" dirty="0" smtClean="0"/>
+              <a:t>Similar to Java.</a:t>
+            </a:r>
+            <a:endParaRPr lang="en-US" dirty="0"/>
+          </a:p>
+          <a:p>
+            <a:pPr marL="342900" indent="-342900" algn="l">
+              <a:buFont typeface="Arial" panose="020B0604020202020204" pitchFamily="34" charset="0"/>
+              <a:buChar char="•"/>
+            </a:pPr>
+            <a:r>
+              <a:rPr lang="en-US" dirty="0" smtClean="0"/>
+              <a:t>No need for:   input = input || “NA”;</a:t>
             </a:r>
           </a:p>
         </p:txBody>
@@ -4034,7 +4056,7 @@
           <a:p>
             <a:fld id="{216C5678-EE20-4FA5-88E2-6E0BD67A2E26}" type="datetime1">
               <a:rPr lang="en-US" smtClean="0"/>
-              <a:t>8/18/2018</a:t>
+              <a:t>9/1/2018</a:t>
             </a:fld>
             <a:endParaRPr lang="en-US" dirty="0"/>
           </a:p>
@@ -4090,7 +4112,7 @@
     </p:spTree>
     <p:extLst>
       <p:ext uri="{BB962C8B-B14F-4D97-AF65-F5344CB8AC3E}">
-        <p14:creationId xmlns:p14="http://schemas.microsoft.com/office/powerpoint/2010/main" val="1960348769"/>
+        <p14:creationId xmlns:p14="http://schemas.microsoft.com/office/powerpoint/2010/main" val="3787742052"/>
       </p:ext>
     </p:extLst>
   </p:cSld>
@@ -4139,13 +4161,10 @@
           <a:p>
             <a:pPr algn="l"/>
             <a:r>
-              <a:rPr lang="en-US" sz="4000" dirty="0" smtClean="0"/>
-              <a:t>Template </a:t>
-            </a:r>
-            <a:r>
-              <a:rPr lang="en-US" sz="4000" dirty="0"/>
-              <a:t>string literal.</a:t>
-            </a:r>
+              <a:rPr lang="en-US" sz="4000" dirty="0" err="1" smtClean="0"/>
+              <a:t>Destructuring</a:t>
+            </a:r>
+            <a:endParaRPr lang="en-US" sz="4000" dirty="0"/>
           </a:p>
         </p:txBody>
       </p:sp>
@@ -4177,18 +4196,7 @@
             </a:pPr>
             <a:r>
               <a:rPr lang="en-US" dirty="0" smtClean="0"/>
-              <a:t>More intuitive way to formulate string.</a:t>
-            </a:r>
-            <a:endParaRPr lang="en-US" dirty="0"/>
-          </a:p>
-          <a:p>
-            <a:pPr marL="342900" indent="-342900" algn="l">
-              <a:buFont typeface="Arial" panose="020B0604020202020204" pitchFamily="34" charset="0"/>
-              <a:buChar char="•"/>
-            </a:pPr>
-            <a:r>
-              <a:rPr lang="en-US" dirty="0" smtClean="0"/>
-              <a:t>Use ` symbol.</a:t>
+              <a:t>Quickly unpack an object properties.</a:t>
             </a:r>
           </a:p>
         </p:txBody>
@@ -4210,7 +4218,7 @@
           <a:p>
             <a:fld id="{216C5678-EE20-4FA5-88E2-6E0BD67A2E26}" type="datetime1">
               <a:rPr lang="en-US" smtClean="0"/>
-              <a:t>8/19/2018</a:t>
+              <a:t>9/1/2018</a:t>
             </a:fld>
             <a:endParaRPr lang="en-US" dirty="0"/>
           </a:p>
@@ -4266,7 +4274,7 @@
     </p:spTree>
     <p:extLst>
       <p:ext uri="{BB962C8B-B14F-4D97-AF65-F5344CB8AC3E}">
-        <p14:creationId xmlns:p14="http://schemas.microsoft.com/office/powerpoint/2010/main" val="3333014962"/>
+        <p14:creationId xmlns:p14="http://schemas.microsoft.com/office/powerpoint/2010/main" val="1960348769"/>
       </p:ext>
     </p:extLst>
   </p:cSld>
@@ -4316,9 +4324,12 @@
             <a:pPr algn="l"/>
             <a:r>
               <a:rPr lang="en-US" sz="4000" dirty="0" smtClean="0"/>
-              <a:t>Lambda.</a:t>
-            </a:r>
-            <a:endParaRPr lang="en-US" sz="4000" dirty="0"/>
+              <a:t>Template </a:t>
+            </a:r>
+            <a:r>
+              <a:rPr lang="en-US" sz="4000" dirty="0"/>
+              <a:t>string literal.</a:t>
+            </a:r>
           </a:p>
         </p:txBody>
       </p:sp>
@@ -4350,7 +4361,7 @@
             </a:pPr>
             <a:r>
               <a:rPr lang="en-US" dirty="0" smtClean="0"/>
-              <a:t>Provide a more concise function execution instead of using function()</a:t>
+              <a:t>More intuitive way to formulate string.</a:t>
             </a:r>
             <a:endParaRPr lang="en-US" dirty="0"/>
           </a:p>
@@ -4361,7 +4372,7 @@
             </a:pPr>
             <a:r>
               <a:rPr lang="en-US" dirty="0" smtClean="0"/>
-              <a:t>Make the context of ‘this’ clearer.</a:t>
+              <a:t>Use ` symbol.</a:t>
             </a:r>
           </a:p>
         </p:txBody>
@@ -4383,7 +4394,7 @@
           <a:p>
             <a:fld id="{216C5678-EE20-4FA5-88E2-6E0BD67A2E26}" type="datetime1">
               <a:rPr lang="en-US" smtClean="0"/>
-              <a:t>8/19/2018</a:t>
+              <a:t>9/1/2018</a:t>
             </a:fld>
             <a:endParaRPr lang="en-US" dirty="0"/>
           </a:p>
@@ -4439,7 +4450,7 @@
     </p:spTree>
     <p:extLst>
       <p:ext uri="{BB962C8B-B14F-4D97-AF65-F5344CB8AC3E}">
-        <p14:creationId xmlns:p14="http://schemas.microsoft.com/office/powerpoint/2010/main" val="3257466147"/>
+        <p14:creationId xmlns:p14="http://schemas.microsoft.com/office/powerpoint/2010/main" val="3333014962"/>
       </p:ext>
     </p:extLst>
   </p:cSld>
@@ -4489,7 +4500,7 @@
             <a:pPr algn="l"/>
             <a:r>
               <a:rPr lang="en-US" sz="4000" dirty="0" smtClean="0"/>
-              <a:t>Class</a:t>
+              <a:t>Lambda.</a:t>
             </a:r>
             <a:endParaRPr lang="en-US" sz="4000" dirty="0"/>
           </a:p>
@@ -4523,7 +4534,18 @@
             </a:pPr>
             <a:r>
               <a:rPr lang="en-US" dirty="0" smtClean="0"/>
-              <a:t>A more intuitively way of declaring a class vs ES5 way.</a:t>
+              <a:t>Provide a more concise function execution instead of using function()</a:t>
+            </a:r>
+            <a:endParaRPr lang="en-US" dirty="0"/>
+          </a:p>
+          <a:p>
+            <a:pPr marL="342900" indent="-342900" algn="l">
+              <a:buFont typeface="Arial" panose="020B0604020202020204" pitchFamily="34" charset="0"/>
+              <a:buChar char="•"/>
+            </a:pPr>
+            <a:r>
+              <a:rPr lang="en-US" dirty="0" smtClean="0"/>
+              <a:t>Make the context of ‘this’ clearer.</a:t>
             </a:r>
           </a:p>
         </p:txBody>
@@ -4545,7 +4567,7 @@
           <a:p>
             <a:fld id="{216C5678-EE20-4FA5-88E2-6E0BD67A2E26}" type="datetime1">
               <a:rPr lang="en-US" smtClean="0"/>
-              <a:t>8/19/2018</a:t>
+              <a:t>9/1/2018</a:t>
             </a:fld>
             <a:endParaRPr lang="en-US" dirty="0"/>
           </a:p>
@@ -4601,7 +4623,7 @@
     </p:spTree>
     <p:extLst>
       <p:ext uri="{BB962C8B-B14F-4D97-AF65-F5344CB8AC3E}">
-        <p14:creationId xmlns:p14="http://schemas.microsoft.com/office/powerpoint/2010/main" val="1522937262"/>
+        <p14:creationId xmlns:p14="http://schemas.microsoft.com/office/powerpoint/2010/main" val="3257466147"/>
       </p:ext>
     </p:extLst>
   </p:cSld>
@@ -4650,9 +4672,10 @@
           <a:p>
             <a:pPr algn="l"/>
             <a:r>
-              <a:rPr lang="en-US" sz="4000" dirty="0"/>
-              <a:t>Generator &amp; Iterator</a:t>
-            </a:r>
+              <a:rPr lang="en-US" sz="4000" dirty="0" smtClean="0"/>
+              <a:t>Class</a:t>
+            </a:r>
+            <a:endParaRPr lang="en-US" sz="4000" dirty="0"/>
           </a:p>
         </p:txBody>
       </p:sp>
@@ -4683,6 +4706,167 @@
               <a:buChar char="•"/>
             </a:pPr>
             <a:r>
+              <a:rPr lang="en-US" dirty="0" smtClean="0"/>
+              <a:t>A more intuitively way of declaring a class vs ES5 way.</a:t>
+            </a:r>
+          </a:p>
+        </p:txBody>
+      </p:sp>
+      <p:sp>
+        <p:nvSpPr>
+          <p:cNvPr id="4" name="Date Placeholder 3"/>
+          <p:cNvSpPr>
+            <a:spLocks noGrp="1"/>
+          </p:cNvSpPr>
+          <p:nvPr>
+            <p:ph type="dt" sz="half" idx="10"/>
+          </p:nvPr>
+        </p:nvSpPr>
+        <p:spPr/>
+        <p:txBody>
+          <a:bodyPr/>
+          <a:lstStyle/>
+          <a:p>
+            <a:fld id="{216C5678-EE20-4FA5-88E2-6E0BD67A2E26}" type="datetime1">
+              <a:rPr lang="en-US" smtClean="0"/>
+              <a:t>9/1/2018</a:t>
+            </a:fld>
+            <a:endParaRPr lang="en-US" dirty="0"/>
+          </a:p>
+        </p:txBody>
+      </p:sp>
+      <p:sp>
+        <p:nvSpPr>
+          <p:cNvPr id="5" name="Slide Number Placeholder 4"/>
+          <p:cNvSpPr>
+            <a:spLocks noGrp="1"/>
+          </p:cNvSpPr>
+          <p:nvPr>
+            <p:ph type="sldNum" sz="quarter" idx="11"/>
+          </p:nvPr>
+        </p:nvSpPr>
+        <p:spPr/>
+        <p:txBody>
+          <a:bodyPr/>
+          <a:lstStyle/>
+          <a:p>
+            <a:fld id="{BA9B540C-44DA-4F69-89C9-7C84606640D3}" type="slidenum">
+              <a:rPr lang="en-US" smtClean="0"/>
+              <a:pPr/>
+              <a:t>14</a:t>
+            </a:fld>
+            <a:endParaRPr lang="en-US" dirty="0"/>
+          </a:p>
+        </p:txBody>
+      </p:sp>
+      <p:sp>
+        <p:nvSpPr>
+          <p:cNvPr id="6" name="Footer Placeholder 5"/>
+          <p:cNvSpPr>
+            <a:spLocks noGrp="1"/>
+          </p:cNvSpPr>
+          <p:nvPr>
+            <p:ph type="ftr" sz="quarter" idx="12"/>
+          </p:nvPr>
+        </p:nvSpPr>
+        <p:spPr/>
+        <p:txBody>
+          <a:bodyPr/>
+          <a:lstStyle/>
+          <a:p>
+            <a:r>
+              <a:rPr lang="en-US" smtClean="0"/>
+              <a:t>Footer Text</a:t>
+            </a:r>
+            <a:endParaRPr lang="en-US" dirty="0"/>
+          </a:p>
+        </p:txBody>
+      </p:sp>
+    </p:spTree>
+    <p:extLst>
+      <p:ext uri="{BB962C8B-B14F-4D97-AF65-F5344CB8AC3E}">
+        <p14:creationId xmlns:p14="http://schemas.microsoft.com/office/powerpoint/2010/main" val="1522937262"/>
+      </p:ext>
+    </p:extLst>
+  </p:cSld>
+  <p:clrMapOvr>
+    <a:masterClrMapping/>
+  </p:clrMapOvr>
+</p:sld>
+</file>
+
+<file path=ppt/slides/slide15.xml><?xml version="1.0" encoding="utf-8"?>
+<p:sld xmlns:a="http://schemas.openxmlformats.org/drawingml/2006/main" xmlns:r="http://schemas.openxmlformats.org/officeDocument/2006/relationships" xmlns:p="http://schemas.openxmlformats.org/presentationml/2006/main">
+  <p:cSld>
+    <p:spTree>
+      <p:nvGrpSpPr>
+        <p:cNvPr id="1" name=""/>
+        <p:cNvGrpSpPr/>
+        <p:nvPr/>
+      </p:nvGrpSpPr>
+      <p:grpSpPr>
+        <a:xfrm>
+          <a:off x="0" y="0"/>
+          <a:ext cx="0" cy="0"/>
+          <a:chOff x="0" y="0"/>
+          <a:chExt cx="0" cy="0"/>
+        </a:xfrm>
+      </p:grpSpPr>
+      <p:sp>
+        <p:nvSpPr>
+          <p:cNvPr id="2" name="Title 1"/>
+          <p:cNvSpPr>
+            <a:spLocks noGrp="1"/>
+          </p:cNvSpPr>
+          <p:nvPr>
+            <p:ph type="ctrTitle"/>
+          </p:nvPr>
+        </p:nvSpPr>
+        <p:spPr>
+          <a:xfrm>
+            <a:off x="685800" y="228600"/>
+            <a:ext cx="7772400" cy="685800"/>
+          </a:xfrm>
+        </p:spPr>
+        <p:txBody>
+          <a:bodyPr/>
+          <a:lstStyle/>
+          <a:p>
+            <a:pPr algn="l"/>
+            <a:r>
+              <a:rPr lang="en-US" sz="4000" dirty="0"/>
+              <a:t>Generator &amp; Iterator</a:t>
+            </a:r>
+          </a:p>
+        </p:txBody>
+      </p:sp>
+      <p:sp>
+        <p:nvSpPr>
+          <p:cNvPr id="3" name="Subtitle 2"/>
+          <p:cNvSpPr>
+            <a:spLocks noGrp="1"/>
+          </p:cNvSpPr>
+          <p:nvPr>
+            <p:ph type="subTitle" idx="1"/>
+          </p:nvPr>
+        </p:nvSpPr>
+        <p:spPr>
+          <a:xfrm>
+            <a:off x="685800" y="1119886"/>
+            <a:ext cx="7924800" cy="5257800"/>
+          </a:xfrm>
+        </p:spPr>
+        <p:txBody>
+          <a:bodyPr>
+            <a:noAutofit/>
+          </a:bodyPr>
+          <a:lstStyle/>
+          <a:p>
+            <a:pPr marL="342900" indent="-342900" algn="l">
+              <a:buFont typeface="Arial" panose="020B0604020202020204" pitchFamily="34" charset="0"/>
+              <a:buChar char="•"/>
+            </a:pPr>
+            <a:r>
               <a:rPr lang="en-US" sz="1600" dirty="0" smtClean="0"/>
               <a:t>let </a:t>
             </a:r>
@@ -4812,7 +4996,7 @@
           <a:p>
             <a:fld id="{216C5678-EE20-4FA5-88E2-6E0BD67A2E26}" type="datetime1">
               <a:rPr lang="en-US" smtClean="0"/>
-              <a:t>8/28/2018</a:t>
+              <a:t>9/1/2018</a:t>
             </a:fld>
             <a:endParaRPr lang="en-US" dirty="0"/>
           </a:p>
@@ -4836,7 +5020,7 @@
             <a:fld id="{BA9B540C-44DA-4F69-89C9-7C84606640D3}" type="slidenum">
               <a:rPr lang="en-US" smtClean="0"/>
               <a:pPr/>
-              <a:t>14</a:t>
+              <a:t>15</a:t>
             </a:fld>
             <a:endParaRPr lang="en-US" dirty="0"/>
           </a:p>
@@ -4994,7 +5178,7 @@
           <a:p>
             <a:fld id="{216C5678-EE20-4FA5-88E2-6E0BD67A2E26}" type="datetime1">
               <a:rPr lang="en-US" smtClean="0"/>
-              <a:t>8/18/2018</a:t>
+              <a:t>9/1/2018</a:t>
             </a:fld>
             <a:endParaRPr lang="en-US" dirty="0"/>
           </a:p>
@@ -5215,7 +5399,7 @@
           <a:p>
             <a:fld id="{216C5678-EE20-4FA5-88E2-6E0BD67A2E26}" type="datetime1">
               <a:rPr lang="en-US" smtClean="0"/>
-              <a:t>8/18/2018</a:t>
+              <a:t>9/1/2018</a:t>
             </a:fld>
             <a:endParaRPr lang="en-US" dirty="0"/>
           </a:p>
@@ -5458,7 +5642,7 @@
           <a:p>
             <a:fld id="{216C5678-EE20-4FA5-88E2-6E0BD67A2E26}" type="datetime1">
               <a:rPr lang="en-US" smtClean="0"/>
-              <a:t>8/18/2018</a:t>
+              <a:t>9/1/2018</a:t>
             </a:fld>
             <a:endParaRPr lang="en-US" dirty="0"/>
           </a:p>
@@ -5553,7 +5737,7 @@
         </p:nvSpPr>
         <p:spPr>
           <a:xfrm>
-            <a:off x="685800" y="228600"/>
+            <a:off x="685800" y="182880"/>
             <a:ext cx="7772400" cy="685800"/>
           </a:xfrm>
         </p:spPr>
@@ -5564,7 +5748,7 @@
             <a:pPr algn="l"/>
             <a:r>
               <a:rPr lang="en-US" sz="4000" dirty="0" smtClean="0"/>
-              <a:t>New Features</a:t>
+              <a:t>Babel</a:t>
             </a:r>
             <a:endParaRPr lang="en-US" sz="4000" dirty="0"/>
           </a:p>
@@ -5572,152 +5756,6 @@
       </p:sp>
       <p:sp>
         <p:nvSpPr>
-          <p:cNvPr id="3" name="Subtitle 2"/>
-          <p:cNvSpPr>
-            <a:spLocks noGrp="1"/>
-          </p:cNvSpPr>
-          <p:nvPr>
-            <p:ph type="subTitle" idx="1"/>
-          </p:nvPr>
-        </p:nvSpPr>
-        <p:spPr>
-          <a:xfrm>
-            <a:off x="762000" y="1219200"/>
-            <a:ext cx="7924800" cy="5257800"/>
-          </a:xfrm>
-        </p:spPr>
-        <p:txBody>
-          <a:bodyPr>
-            <a:noAutofit/>
-          </a:bodyPr>
-          <a:lstStyle/>
-          <a:p>
-            <a:pPr marL="457200" indent="-457200" algn="l">
-              <a:buFont typeface="+mj-lt"/>
-              <a:buAutoNum type="arabicPeriod"/>
-            </a:pPr>
-            <a:r>
-              <a:rPr lang="en-US" sz="2400" dirty="0" smtClean="0"/>
-              <a:t>Var</a:t>
-            </a:r>
-            <a:r>
-              <a:rPr lang="en-US" dirty="0" smtClean="0"/>
-              <a:t>iable scoping</a:t>
-            </a:r>
-          </a:p>
-          <a:p>
-            <a:pPr marL="457200" indent="-457200" algn="l">
-              <a:buFont typeface="+mj-lt"/>
-              <a:buAutoNum type="arabicPeriod"/>
-            </a:pPr>
-            <a:r>
-              <a:rPr lang="en-US" sz="2400" dirty="0" smtClean="0"/>
-              <a:t>Rest Parameter</a:t>
-            </a:r>
-            <a:endParaRPr lang="en-US" sz="2400" dirty="0" smtClean="0"/>
-          </a:p>
-          <a:p>
-            <a:pPr marL="457200" indent="-457200" algn="l">
-              <a:buFont typeface="+mj-lt"/>
-              <a:buAutoNum type="arabicPeriod"/>
-            </a:pPr>
-            <a:r>
-              <a:rPr lang="en-US" dirty="0" smtClean="0"/>
-              <a:t>Spread operator</a:t>
-            </a:r>
-          </a:p>
-          <a:p>
-            <a:pPr marL="457200" indent="-457200" algn="l">
-              <a:buFont typeface="+mj-lt"/>
-              <a:buAutoNum type="arabicPeriod"/>
-            </a:pPr>
-            <a:r>
-              <a:rPr lang="en-US" sz="2400" dirty="0" smtClean="0"/>
-              <a:t>Default </a:t>
-            </a:r>
-            <a:r>
-              <a:rPr lang="en-US" sz="2400" dirty="0" smtClean="0"/>
-              <a:t>parameter</a:t>
-            </a:r>
-          </a:p>
-          <a:p>
-            <a:pPr marL="457200" indent="-457200" algn="l">
-              <a:buFont typeface="+mj-lt"/>
-              <a:buAutoNum type="arabicPeriod"/>
-            </a:pPr>
-            <a:r>
-              <a:rPr lang="en-US" dirty="0" err="1" smtClean="0"/>
-              <a:t>Destructuring</a:t>
-            </a:r>
-            <a:endParaRPr lang="en-US" dirty="0" smtClean="0"/>
-          </a:p>
-          <a:p>
-            <a:pPr marL="457200" indent="-457200" algn="l">
-              <a:buFont typeface="+mj-lt"/>
-              <a:buAutoNum type="arabicPeriod"/>
-            </a:pPr>
-            <a:r>
-              <a:rPr lang="en-US" dirty="0" smtClean="0"/>
-              <a:t>Template </a:t>
-            </a:r>
-            <a:r>
-              <a:rPr lang="en-US" dirty="0"/>
-              <a:t>s</a:t>
-            </a:r>
-            <a:r>
-              <a:rPr lang="en-US" dirty="0" smtClean="0"/>
-              <a:t>tring literal.</a:t>
-            </a:r>
-            <a:endParaRPr lang="en-US" sz="2400" dirty="0" smtClean="0"/>
-          </a:p>
-          <a:p>
-            <a:pPr marL="457200" indent="-457200" algn="l">
-              <a:buFont typeface="+mj-lt"/>
-              <a:buAutoNum type="arabicPeriod"/>
-            </a:pPr>
-            <a:r>
-              <a:rPr lang="en-US" dirty="0" err="1" smtClean="0"/>
-              <a:t>Lamda</a:t>
-            </a:r>
-            <a:endParaRPr lang="en-US" dirty="0" smtClean="0"/>
-          </a:p>
-          <a:p>
-            <a:pPr marL="457200" indent="-457200" algn="l">
-              <a:buFont typeface="+mj-lt"/>
-              <a:buAutoNum type="arabicPeriod"/>
-            </a:pPr>
-            <a:r>
-              <a:rPr lang="en-US" sz="2400" dirty="0" smtClean="0"/>
-              <a:t>Class </a:t>
-            </a:r>
-          </a:p>
-          <a:p>
-            <a:pPr marL="457200" indent="-457200" algn="l">
-              <a:buFont typeface="+mj-lt"/>
-              <a:buAutoNum type="arabicPeriod"/>
-            </a:pPr>
-            <a:r>
-              <a:rPr lang="en-US" dirty="0" smtClean="0"/>
-              <a:t>Generator &amp; </a:t>
-            </a:r>
-            <a:r>
-              <a:rPr lang="en-US" smtClean="0"/>
-              <a:t>Iterator</a:t>
-            </a:r>
-            <a:r>
-              <a:rPr lang="en-US" smtClean="0"/>
-              <a:t>.</a:t>
-            </a:r>
-            <a:r>
-              <a:rPr lang="en-US" sz="2400" smtClean="0"/>
-              <a:t> </a:t>
-            </a:r>
-            <a:endParaRPr lang="en-US" sz="2400" dirty="0" smtClean="0"/>
-          </a:p>
-        </p:txBody>
-      </p:sp>
-      <p:sp>
-        <p:nvSpPr>
           <p:cNvPr id="4" name="Date Placeholder 3"/>
           <p:cNvSpPr>
             <a:spLocks noGrp="1"/>
@@ -5733,7 +5771,7 @@
           <a:p>
             <a:fld id="{216C5678-EE20-4FA5-88E2-6E0BD67A2E26}" type="datetime1">
               <a:rPr lang="en-US" smtClean="0"/>
-              <a:t>8/18/2018</a:t>
+              <a:t>9/7/2018</a:t>
             </a:fld>
             <a:endParaRPr lang="en-US" dirty="0"/>
           </a:p>
@@ -5786,10 +5824,708 @@
           </a:p>
         </p:txBody>
       </p:sp>
+      <p:pic>
+        <p:nvPicPr>
+          <p:cNvPr id="8" name="Picture 7"/>
+          <p:cNvPicPr>
+            <a:picLocks noChangeAspect="1"/>
+          </p:cNvPicPr>
+          <p:nvPr/>
+        </p:nvPicPr>
+        <p:blipFill>
+          <a:blip r:embed="rId2"/>
+          <a:stretch>
+            <a:fillRect/>
+          </a:stretch>
+        </p:blipFill>
+        <p:spPr>
+          <a:xfrm>
+            <a:off x="286514" y="1292353"/>
+            <a:ext cx="762000" cy="999743"/>
+          </a:xfrm>
+          <a:prstGeom prst="rect">
+            <a:avLst/>
+          </a:prstGeom>
+        </p:spPr>
+      </p:pic>
+      <p:sp>
+        <p:nvSpPr>
+          <p:cNvPr id="9" name="TextBox 8"/>
+          <p:cNvSpPr txBox="1"/>
+          <p:nvPr/>
+        </p:nvSpPr>
+        <p:spPr>
+          <a:xfrm>
+            <a:off x="265177" y="4656577"/>
+            <a:ext cx="761999" cy="369332"/>
+          </a:xfrm>
+          <a:prstGeom prst="rect">
+            <a:avLst/>
+          </a:prstGeom>
+          <a:noFill/>
+        </p:spPr>
+        <p:txBody>
+          <a:bodyPr wrap="square" rtlCol="0">
+            <a:spAutoFit/>
+          </a:bodyPr>
+          <a:lstStyle/>
+          <a:p>
+            <a:r>
+              <a:rPr lang="en-US" dirty="0" smtClean="0"/>
+              <a:t>ES 6</a:t>
+            </a:r>
+            <a:endParaRPr lang="en-US" dirty="0"/>
+          </a:p>
+        </p:txBody>
+      </p:sp>
+      <p:pic>
+        <p:nvPicPr>
+          <p:cNvPr id="10" name="Picture 9"/>
+          <p:cNvPicPr>
+            <a:picLocks noChangeAspect="1"/>
+          </p:cNvPicPr>
+          <p:nvPr/>
+        </p:nvPicPr>
+        <p:blipFill>
+          <a:blip r:embed="rId2"/>
+          <a:stretch>
+            <a:fillRect/>
+          </a:stretch>
+        </p:blipFill>
+        <p:spPr>
+          <a:xfrm>
+            <a:off x="265176" y="2382900"/>
+            <a:ext cx="762000" cy="999743"/>
+          </a:xfrm>
+          <a:prstGeom prst="rect">
+            <a:avLst/>
+          </a:prstGeom>
+        </p:spPr>
+      </p:pic>
+      <p:pic>
+        <p:nvPicPr>
+          <p:cNvPr id="11" name="Picture 10"/>
+          <p:cNvPicPr>
+            <a:picLocks noChangeAspect="1"/>
+          </p:cNvPicPr>
+          <p:nvPr/>
+        </p:nvPicPr>
+        <p:blipFill>
+          <a:blip r:embed="rId2"/>
+          <a:stretch>
+            <a:fillRect/>
+          </a:stretch>
+        </p:blipFill>
+        <p:spPr>
+          <a:xfrm>
+            <a:off x="228601" y="3504434"/>
+            <a:ext cx="762000" cy="999743"/>
+          </a:xfrm>
+          <a:prstGeom prst="rect">
+            <a:avLst/>
+          </a:prstGeom>
+        </p:spPr>
+      </p:pic>
+      <p:pic>
+        <p:nvPicPr>
+          <p:cNvPr id="12" name="Picture 11"/>
+          <p:cNvPicPr>
+            <a:picLocks noChangeAspect="1"/>
+          </p:cNvPicPr>
+          <p:nvPr/>
+        </p:nvPicPr>
+        <p:blipFill>
+          <a:blip r:embed="rId3"/>
+          <a:stretch>
+            <a:fillRect/>
+          </a:stretch>
+        </p:blipFill>
+        <p:spPr>
+          <a:xfrm>
+            <a:off x="1905000" y="2286000"/>
+            <a:ext cx="1752752" cy="1173582"/>
+          </a:xfrm>
+          <a:prstGeom prst="rect">
+            <a:avLst/>
+          </a:prstGeom>
+        </p:spPr>
+      </p:pic>
+      <p:sp>
+        <p:nvSpPr>
+          <p:cNvPr id="13" name="Right Brace 12"/>
+          <p:cNvSpPr/>
+          <p:nvPr/>
+        </p:nvSpPr>
+        <p:spPr>
+          <a:xfrm>
+            <a:off x="1219200" y="1458217"/>
+            <a:ext cx="685800" cy="3045959"/>
+          </a:xfrm>
+          <a:prstGeom prst="rightBrace">
+            <a:avLst/>
+          </a:prstGeom>
+        </p:spPr>
+        <p:style>
+          <a:lnRef idx="1">
+            <a:schemeClr val="accent1"/>
+          </a:lnRef>
+          <a:fillRef idx="0">
+            <a:schemeClr val="accent1"/>
+          </a:fillRef>
+          <a:effectRef idx="0">
+            <a:schemeClr val="accent1"/>
+          </a:effectRef>
+          <a:fontRef idx="minor">
+            <a:schemeClr val="tx1"/>
+          </a:fontRef>
+        </p:style>
+        <p:txBody>
+          <a:bodyPr rtlCol="0" anchor="ctr"/>
+          <a:lstStyle/>
+          <a:p>
+            <a:pPr algn="ctr"/>
+            <a:endParaRPr lang="en-US"/>
+          </a:p>
+        </p:txBody>
+      </p:sp>
+      <p:pic>
+        <p:nvPicPr>
+          <p:cNvPr id="14" name="Picture 13"/>
+          <p:cNvPicPr>
+            <a:picLocks noChangeAspect="1"/>
+          </p:cNvPicPr>
+          <p:nvPr/>
+        </p:nvPicPr>
+        <p:blipFill>
+          <a:blip r:embed="rId2"/>
+          <a:stretch>
+            <a:fillRect/>
+          </a:stretch>
+        </p:blipFill>
+        <p:spPr>
+          <a:xfrm>
+            <a:off x="4191000" y="1292353"/>
+            <a:ext cx="762000" cy="999743"/>
+          </a:xfrm>
+          <a:prstGeom prst="rect">
+            <a:avLst/>
+          </a:prstGeom>
+        </p:spPr>
+      </p:pic>
+      <p:sp>
+        <p:nvSpPr>
+          <p:cNvPr id="15" name="TextBox 14"/>
+          <p:cNvSpPr txBox="1"/>
+          <p:nvPr/>
+        </p:nvSpPr>
+        <p:spPr>
+          <a:xfrm>
+            <a:off x="4169663" y="4656577"/>
+            <a:ext cx="761999" cy="369332"/>
+          </a:xfrm>
+          <a:prstGeom prst="rect">
+            <a:avLst/>
+          </a:prstGeom>
+          <a:noFill/>
+        </p:spPr>
+        <p:txBody>
+          <a:bodyPr wrap="square" rtlCol="0">
+            <a:spAutoFit/>
+          </a:bodyPr>
+          <a:lstStyle/>
+          <a:p>
+            <a:r>
+              <a:rPr lang="en-US" dirty="0" smtClean="0"/>
+              <a:t>ES 5</a:t>
+            </a:r>
+            <a:endParaRPr lang="en-US" dirty="0"/>
+          </a:p>
+        </p:txBody>
+      </p:sp>
+      <p:pic>
+        <p:nvPicPr>
+          <p:cNvPr id="16" name="Picture 15"/>
+          <p:cNvPicPr>
+            <a:picLocks noChangeAspect="1"/>
+          </p:cNvPicPr>
+          <p:nvPr/>
+        </p:nvPicPr>
+        <p:blipFill>
+          <a:blip r:embed="rId2"/>
+          <a:stretch>
+            <a:fillRect/>
+          </a:stretch>
+        </p:blipFill>
+        <p:spPr>
+          <a:xfrm>
+            <a:off x="4169662" y="2382900"/>
+            <a:ext cx="762000" cy="999743"/>
+          </a:xfrm>
+          <a:prstGeom prst="rect">
+            <a:avLst/>
+          </a:prstGeom>
+        </p:spPr>
+      </p:pic>
+      <p:pic>
+        <p:nvPicPr>
+          <p:cNvPr id="17" name="Picture 16"/>
+          <p:cNvPicPr>
+            <a:picLocks noChangeAspect="1"/>
+          </p:cNvPicPr>
+          <p:nvPr/>
+        </p:nvPicPr>
+        <p:blipFill>
+          <a:blip r:embed="rId2"/>
+          <a:stretch>
+            <a:fillRect/>
+          </a:stretch>
+        </p:blipFill>
+        <p:spPr>
+          <a:xfrm>
+            <a:off x="4133087" y="3504434"/>
+            <a:ext cx="762000" cy="999743"/>
+          </a:xfrm>
+          <a:prstGeom prst="rect">
+            <a:avLst/>
+          </a:prstGeom>
+        </p:spPr>
+      </p:pic>
+      <p:pic>
+        <p:nvPicPr>
+          <p:cNvPr id="19" name="Picture 18"/>
+          <p:cNvPicPr>
+            <a:picLocks noChangeAspect="1"/>
+          </p:cNvPicPr>
+          <p:nvPr/>
+        </p:nvPicPr>
+        <p:blipFill>
+          <a:blip r:embed="rId4"/>
+          <a:stretch>
+            <a:fillRect/>
+          </a:stretch>
+        </p:blipFill>
+        <p:spPr>
+          <a:xfrm>
+            <a:off x="5791200" y="2531004"/>
+            <a:ext cx="920641" cy="1050396"/>
+          </a:xfrm>
+          <a:prstGeom prst="rect">
+            <a:avLst/>
+          </a:prstGeom>
+        </p:spPr>
+      </p:pic>
+      <p:sp>
+        <p:nvSpPr>
+          <p:cNvPr id="20" name="Rectangle 19"/>
+          <p:cNvSpPr/>
+          <p:nvPr/>
+        </p:nvSpPr>
+        <p:spPr>
+          <a:xfrm>
+            <a:off x="5410200" y="3505200"/>
+            <a:ext cx="1855187" cy="584775"/>
+          </a:xfrm>
+          <a:prstGeom prst="rect">
+            <a:avLst/>
+          </a:prstGeom>
+          <a:noFill/>
+        </p:spPr>
+        <p:txBody>
+          <a:bodyPr wrap="none" lIns="91440" tIns="45720" rIns="91440" bIns="45720">
+            <a:spAutoFit/>
+          </a:bodyPr>
+          <a:lstStyle/>
+          <a:p>
+            <a:pPr algn="ctr"/>
+            <a:r>
+              <a:rPr lang="en-US" sz="3200" b="0" cap="none" spc="0" dirty="0" err="1" smtClean="0">
+                <a:ln w="0"/>
+                <a:solidFill>
+                  <a:schemeClr val="accent1"/>
+                </a:solidFill>
+                <a:effectLst>
+                  <a:outerShdw blurRad="38100" dist="25400" dir="5400000" algn="ctr" rotWithShape="0">
+                    <a:srgbClr val="6E747A">
+                      <a:alpha val="43000"/>
+                    </a:srgbClr>
+                  </a:outerShdw>
+                </a:effectLst>
+              </a:rPr>
+              <a:t>Webpack</a:t>
+            </a:r>
+            <a:endParaRPr lang="en-US" sz="3200" b="0" cap="none" spc="0" dirty="0">
+              <a:ln w="0"/>
+              <a:solidFill>
+                <a:schemeClr val="accent1"/>
+              </a:solidFill>
+              <a:effectLst>
+                <a:outerShdw blurRad="38100" dist="25400" dir="5400000" algn="ctr" rotWithShape="0">
+                  <a:srgbClr val="6E747A">
+                    <a:alpha val="43000"/>
+                  </a:srgbClr>
+                </a:outerShdw>
+              </a:effectLst>
+            </a:endParaRPr>
+          </a:p>
+        </p:txBody>
+      </p:sp>
+      <p:sp>
+        <p:nvSpPr>
+          <p:cNvPr id="21" name="Rectangle 20"/>
+          <p:cNvSpPr/>
+          <p:nvPr/>
+        </p:nvSpPr>
+        <p:spPr>
+          <a:xfrm>
+            <a:off x="1970459" y="3352800"/>
+            <a:ext cx="1570302" cy="1200329"/>
+          </a:xfrm>
+          <a:prstGeom prst="rect">
+            <a:avLst/>
+          </a:prstGeom>
+          <a:noFill/>
+        </p:spPr>
+        <p:txBody>
+          <a:bodyPr wrap="none" lIns="91440" tIns="45720" rIns="91440" bIns="45720">
+            <a:spAutoFit/>
+          </a:bodyPr>
+          <a:lstStyle/>
+          <a:p>
+            <a:pPr algn="ctr"/>
+            <a:r>
+              <a:rPr lang="en-US" sz="2400" b="0" cap="none" spc="0" dirty="0" smtClean="0">
+                <a:ln w="0"/>
+                <a:solidFill>
+                  <a:schemeClr val="accent1"/>
+                </a:solidFill>
+                <a:effectLst>
+                  <a:outerShdw blurRad="38100" dist="25400" dir="5400000" algn="ctr" rotWithShape="0">
+                    <a:srgbClr val="6E747A">
+                      <a:alpha val="43000"/>
+                    </a:srgbClr>
+                  </a:outerShdw>
+                </a:effectLst>
+              </a:rPr>
+              <a:t>Node</a:t>
+            </a:r>
+          </a:p>
+          <a:p>
+            <a:pPr algn="ctr"/>
+            <a:r>
+              <a:rPr lang="en-US" sz="2400" b="0" cap="none" spc="0" dirty="0" smtClean="0">
+                <a:ln w="0"/>
+                <a:solidFill>
+                  <a:schemeClr val="accent1"/>
+                </a:solidFill>
+                <a:effectLst>
+                  <a:outerShdw blurRad="38100" dist="25400" dir="5400000" algn="ctr" rotWithShape="0">
+                    <a:srgbClr val="6E747A">
+                      <a:alpha val="43000"/>
+                    </a:srgbClr>
+                  </a:outerShdw>
+                </a:effectLst>
+              </a:rPr>
+              <a:t>Babel</a:t>
+            </a:r>
+          </a:p>
+          <a:p>
+            <a:pPr algn="ctr"/>
+            <a:r>
+              <a:rPr lang="en-US" sz="2400" dirty="0" err="1" smtClean="0">
+                <a:ln w="0"/>
+                <a:solidFill>
+                  <a:schemeClr val="accent1"/>
+                </a:solidFill>
+                <a:effectLst>
+                  <a:outerShdw blurRad="38100" dist="25400" dir="5400000" algn="ctr" rotWithShape="0">
+                    <a:srgbClr val="6E747A">
+                      <a:alpha val="43000"/>
+                    </a:srgbClr>
+                  </a:outerShdw>
+                </a:effectLst>
+              </a:rPr>
+              <a:t>Transpiler</a:t>
+            </a:r>
+            <a:endParaRPr lang="en-US" sz="2400" b="0" cap="none" spc="0" dirty="0">
+              <a:ln w="0"/>
+              <a:solidFill>
+                <a:schemeClr val="accent1"/>
+              </a:solidFill>
+              <a:effectLst>
+                <a:outerShdw blurRad="38100" dist="25400" dir="5400000" algn="ctr" rotWithShape="0">
+                  <a:srgbClr val="6E747A">
+                    <a:alpha val="43000"/>
+                  </a:srgbClr>
+                </a:outerShdw>
+              </a:effectLst>
+            </a:endParaRPr>
+          </a:p>
+        </p:txBody>
+      </p:sp>
+      <p:sp>
+        <p:nvSpPr>
+          <p:cNvPr id="22" name="Right Brace 21"/>
+          <p:cNvSpPr/>
+          <p:nvPr/>
+        </p:nvSpPr>
+        <p:spPr>
+          <a:xfrm>
+            <a:off x="4876800" y="1458217"/>
+            <a:ext cx="685800" cy="3045959"/>
+          </a:xfrm>
+          <a:prstGeom prst="rightBrace">
+            <a:avLst/>
+          </a:prstGeom>
+        </p:spPr>
+        <p:style>
+          <a:lnRef idx="1">
+            <a:schemeClr val="accent1"/>
+          </a:lnRef>
+          <a:fillRef idx="0">
+            <a:schemeClr val="accent1"/>
+          </a:fillRef>
+          <a:effectRef idx="0">
+            <a:schemeClr val="accent1"/>
+          </a:effectRef>
+          <a:fontRef idx="minor">
+            <a:schemeClr val="tx1"/>
+          </a:fontRef>
+        </p:style>
+        <p:txBody>
+          <a:bodyPr rtlCol="0" anchor="ctr"/>
+          <a:lstStyle/>
+          <a:p>
+            <a:pPr algn="ctr"/>
+            <a:endParaRPr lang="en-US"/>
+          </a:p>
+        </p:txBody>
+      </p:sp>
+      <p:pic>
+        <p:nvPicPr>
+          <p:cNvPr id="23" name="Picture 22"/>
+          <p:cNvPicPr>
+            <a:picLocks noChangeAspect="1"/>
+          </p:cNvPicPr>
+          <p:nvPr/>
+        </p:nvPicPr>
+        <p:blipFill>
+          <a:blip r:embed="rId2"/>
+          <a:stretch>
+            <a:fillRect/>
+          </a:stretch>
+        </p:blipFill>
+        <p:spPr>
+          <a:xfrm>
+            <a:off x="7924800" y="2459839"/>
+            <a:ext cx="762000" cy="999743"/>
+          </a:xfrm>
+          <a:prstGeom prst="rect">
+            <a:avLst/>
+          </a:prstGeom>
+        </p:spPr>
+      </p:pic>
+      <p:sp>
+        <p:nvSpPr>
+          <p:cNvPr id="26" name="Right Arrow 25"/>
+          <p:cNvSpPr/>
+          <p:nvPr/>
+        </p:nvSpPr>
+        <p:spPr>
+          <a:xfrm>
+            <a:off x="6892323" y="2872791"/>
+            <a:ext cx="978408" cy="264651"/>
+          </a:xfrm>
+          <a:prstGeom prst="rightArrow">
+            <a:avLst/>
+          </a:prstGeom>
+        </p:spPr>
+        <p:style>
+          <a:lnRef idx="2">
+            <a:schemeClr val="accent1">
+              <a:shade val="50000"/>
+            </a:schemeClr>
+          </a:lnRef>
+          <a:fillRef idx="1">
+            <a:schemeClr val="accent1"/>
+          </a:fillRef>
+          <a:effectRef idx="0">
+            <a:schemeClr val="accent1"/>
+          </a:effectRef>
+          <a:fontRef idx="minor">
+            <a:schemeClr val="lt1"/>
+          </a:fontRef>
+        </p:style>
+        <p:txBody>
+          <a:bodyPr rtlCol="0" anchor="ctr"/>
+          <a:lstStyle/>
+          <a:p>
+            <a:pPr algn="ctr"/>
+            <a:endParaRPr lang="en-US"/>
+          </a:p>
+        </p:txBody>
+      </p:sp>
+      <p:sp>
+        <p:nvSpPr>
+          <p:cNvPr id="27" name="TextBox 26"/>
+          <p:cNvSpPr txBox="1"/>
+          <p:nvPr/>
+        </p:nvSpPr>
+        <p:spPr>
+          <a:xfrm>
+            <a:off x="7543801" y="3504434"/>
+            <a:ext cx="1440606" cy="646331"/>
+          </a:xfrm>
+          <a:prstGeom prst="rect">
+            <a:avLst/>
+          </a:prstGeom>
+          <a:noFill/>
+        </p:spPr>
+        <p:txBody>
+          <a:bodyPr wrap="square" rtlCol="0">
+            <a:spAutoFit/>
+          </a:bodyPr>
+          <a:lstStyle/>
+          <a:p>
+            <a:pPr algn="ctr"/>
+            <a:r>
+              <a:rPr lang="en-US" dirty="0" smtClean="0"/>
+              <a:t>Production</a:t>
+            </a:r>
+          </a:p>
+          <a:p>
+            <a:pPr algn="ctr"/>
+            <a:r>
+              <a:rPr lang="en-US" dirty="0" smtClean="0"/>
+              <a:t>Minified JS</a:t>
+            </a:r>
+            <a:endParaRPr lang="en-US" dirty="0"/>
+          </a:p>
+        </p:txBody>
+      </p:sp>
+      <p:sp>
+        <p:nvSpPr>
+          <p:cNvPr id="28" name="Right Arrow 27"/>
+          <p:cNvSpPr/>
+          <p:nvPr/>
+        </p:nvSpPr>
+        <p:spPr>
+          <a:xfrm>
+            <a:off x="3642437" y="2827384"/>
+            <a:ext cx="490650" cy="310058"/>
+          </a:xfrm>
+          <a:prstGeom prst="rightArrow">
+            <a:avLst/>
+          </a:prstGeom>
+        </p:spPr>
+        <p:style>
+          <a:lnRef idx="2">
+            <a:schemeClr val="accent1">
+              <a:shade val="50000"/>
+            </a:schemeClr>
+          </a:lnRef>
+          <a:fillRef idx="1">
+            <a:schemeClr val="accent1"/>
+          </a:fillRef>
+          <a:effectRef idx="0">
+            <a:schemeClr val="accent1"/>
+          </a:effectRef>
+          <a:fontRef idx="minor">
+            <a:schemeClr val="lt1"/>
+          </a:fontRef>
+        </p:style>
+        <p:txBody>
+          <a:bodyPr rtlCol="0" anchor="ctr"/>
+          <a:lstStyle/>
+          <a:p>
+            <a:pPr algn="ctr"/>
+            <a:endParaRPr lang="en-US"/>
+          </a:p>
+        </p:txBody>
+      </p:sp>
+      <p:sp>
+        <p:nvSpPr>
+          <p:cNvPr id="29" name="Right Arrow 28"/>
+          <p:cNvSpPr/>
+          <p:nvPr/>
+        </p:nvSpPr>
+        <p:spPr>
+          <a:xfrm rot="19018907">
+            <a:off x="3403621" y="2120605"/>
+            <a:ext cx="823965" cy="310058"/>
+          </a:xfrm>
+          <a:prstGeom prst="rightArrow">
+            <a:avLst/>
+          </a:prstGeom>
+        </p:spPr>
+        <p:style>
+          <a:lnRef idx="2">
+            <a:schemeClr val="accent1">
+              <a:shade val="50000"/>
+            </a:schemeClr>
+          </a:lnRef>
+          <a:fillRef idx="1">
+            <a:schemeClr val="accent1"/>
+          </a:fillRef>
+          <a:effectRef idx="0">
+            <a:schemeClr val="accent1"/>
+          </a:effectRef>
+          <a:fontRef idx="minor">
+            <a:schemeClr val="lt1"/>
+          </a:fontRef>
+        </p:style>
+        <p:txBody>
+          <a:bodyPr rtlCol="0" anchor="ctr"/>
+          <a:lstStyle/>
+          <a:p>
+            <a:pPr algn="ctr"/>
+            <a:endParaRPr lang="en-US"/>
+          </a:p>
+        </p:txBody>
+      </p:sp>
+      <p:sp>
+        <p:nvSpPr>
+          <p:cNvPr id="30" name="Right Arrow 29"/>
+          <p:cNvSpPr/>
+          <p:nvPr/>
+        </p:nvSpPr>
+        <p:spPr>
+          <a:xfrm rot="3033043">
+            <a:off x="3357746" y="3570671"/>
+            <a:ext cx="823965" cy="310058"/>
+          </a:xfrm>
+          <a:prstGeom prst="rightArrow">
+            <a:avLst/>
+          </a:prstGeom>
+        </p:spPr>
+        <p:style>
+          <a:lnRef idx="2">
+            <a:schemeClr val="accent1">
+              <a:shade val="50000"/>
+            </a:schemeClr>
+          </a:lnRef>
+          <a:fillRef idx="1">
+            <a:schemeClr val="accent1"/>
+          </a:fillRef>
+          <a:effectRef idx="0">
+            <a:schemeClr val="accent1"/>
+          </a:effectRef>
+          <a:fontRef idx="minor">
+            <a:schemeClr val="lt1"/>
+          </a:fontRef>
+        </p:style>
+        <p:txBody>
+          <a:bodyPr rtlCol="0" anchor="ctr"/>
+          <a:lstStyle/>
+          <a:p>
+            <a:pPr algn="ctr"/>
+            <a:endParaRPr lang="en-US"/>
+          </a:p>
+        </p:txBody>
+      </p:sp>
     </p:spTree>
     <p:extLst>
       <p:ext uri="{BB962C8B-B14F-4D97-AF65-F5344CB8AC3E}">
-        <p14:creationId xmlns:p14="http://schemas.microsoft.com/office/powerpoint/2010/main" val="3628665016"/>
+        <p14:creationId xmlns:p14="http://schemas.microsoft.com/office/powerpoint/2010/main" val="2662388251"/>
       </p:ext>
     </p:extLst>
   </p:cSld>
@@ -5839,19 +6575,7 @@
             <a:pPr algn="l"/>
             <a:r>
               <a:rPr lang="en-US" sz="4000" dirty="0" smtClean="0"/>
-              <a:t>Let vs </a:t>
-            </a:r>
-            <a:r>
-              <a:rPr lang="en-US" sz="4000" dirty="0" err="1" smtClean="0"/>
-              <a:t>var</a:t>
-            </a:r>
-            <a:r>
-              <a:rPr lang="en-US" sz="4000" dirty="0" smtClean="0"/>
-              <a:t> vs </a:t>
-            </a:r>
-            <a:r>
-              <a:rPr lang="en-US" sz="4000" dirty="0" err="1" smtClean="0"/>
-              <a:t>const</a:t>
+              <a:t>New Features</a:t>
             </a:r>
             <a:endParaRPr lang="en-US" sz="4000" dirty="0"/>
           </a:p>
@@ -5869,7 +6593,7 @@
         </p:nvSpPr>
         <p:spPr>
           <a:xfrm>
-            <a:off x="685800" y="1119886"/>
+            <a:off x="762000" y="1219200"/>
             <a:ext cx="7924800" cy="5257800"/>
           </a:xfrm>
         </p:spPr>
@@ -5879,40 +6603,112 @@
           </a:bodyPr>
           <a:lstStyle/>
           <a:p>
-            <a:pPr algn="l"/>
+            <a:pPr marL="457200" indent="-457200" algn="l">
+              <a:buFont typeface="+mj-lt"/>
+              <a:buAutoNum type="arabicPeriod"/>
+            </a:pPr>
             <a:r>
               <a:rPr lang="en-US" sz="2400" dirty="0" smtClean="0"/>
-              <a:t>‘let’ – provides a true scoping.</a:t>
-            </a:r>
-          </a:p>
-          <a:p>
-            <a:pPr algn="l"/>
+              <a:t>Var</a:t>
+            </a:r>
             <a:r>
               <a:rPr lang="en-US" dirty="0" smtClean="0"/>
-              <a:t>‘</a:t>
-            </a:r>
+              <a:t>iable scoping</a:t>
+            </a:r>
+          </a:p>
+          <a:p>
+            <a:pPr marL="457200" indent="-457200" algn="l">
+              <a:buFont typeface="+mj-lt"/>
+              <a:buAutoNum type="arabicPeriod"/>
+            </a:pPr>
+            <a:r>
+              <a:rPr lang="en-US" sz="2400" dirty="0" smtClean="0"/>
+              <a:t>Rest Parameter</a:t>
+            </a:r>
+          </a:p>
+          <a:p>
+            <a:pPr marL="457200" indent="-457200" algn="l">
+              <a:buFont typeface="+mj-lt"/>
+              <a:buAutoNum type="arabicPeriod"/>
+            </a:pPr>
+            <a:r>
+              <a:rPr lang="en-US" dirty="0" smtClean="0"/>
+              <a:t>Spread operator</a:t>
+            </a:r>
+          </a:p>
+          <a:p>
+            <a:pPr marL="457200" indent="-457200" algn="l">
+              <a:buFont typeface="+mj-lt"/>
+              <a:buAutoNum type="arabicPeriod"/>
+            </a:pPr>
+            <a:r>
+              <a:rPr lang="en-US" sz="2400" dirty="0" smtClean="0"/>
+              <a:t>Default parameter</a:t>
+            </a:r>
+          </a:p>
+          <a:p>
+            <a:pPr marL="457200" indent="-457200" algn="l">
+              <a:buFont typeface="+mj-lt"/>
+              <a:buAutoNum type="arabicPeriod"/>
+            </a:pPr>
             <a:r>
               <a:rPr lang="en-US" dirty="0" err="1" smtClean="0"/>
-              <a:t>var</a:t>
-            </a:r>
+              <a:t>Destructuring</a:t>
+            </a:r>
+            <a:endParaRPr lang="en-US" dirty="0" smtClean="0"/>
+          </a:p>
+          <a:p>
+            <a:pPr marL="457200" indent="-457200" algn="l">
+              <a:buFont typeface="+mj-lt"/>
+              <a:buAutoNum type="arabicPeriod"/>
+            </a:pPr>
             <a:r>
               <a:rPr lang="en-US" dirty="0" smtClean="0"/>
-              <a:t>’ – provides global scope</a:t>
-            </a:r>
-          </a:p>
-          <a:p>
-            <a:pPr algn="l"/>
+              <a:t>Template </a:t>
+            </a:r>
+            <a:r>
+              <a:rPr lang="en-US" dirty="0"/>
+              <a:t>s</a:t>
+            </a:r>
+            <a:r>
+              <a:rPr lang="en-US" dirty="0" smtClean="0"/>
+              <a:t>tring literal.</a:t>
+            </a:r>
+            <a:endParaRPr lang="en-US" sz="2400" dirty="0" smtClean="0"/>
+          </a:p>
+          <a:p>
+            <a:pPr marL="457200" indent="-457200" algn="l">
+              <a:buFont typeface="+mj-lt"/>
+              <a:buAutoNum type="arabicPeriod"/>
+            </a:pPr>
+            <a:r>
+              <a:rPr lang="en-US" dirty="0" err="1" smtClean="0"/>
+              <a:t>Lamda</a:t>
+            </a:r>
+            <a:endParaRPr lang="en-US" dirty="0" smtClean="0"/>
+          </a:p>
+          <a:p>
+            <a:pPr marL="457200" indent="-457200" algn="l">
+              <a:buFont typeface="+mj-lt"/>
+              <a:buAutoNum type="arabicPeriod"/>
+            </a:pPr>
             <a:r>
               <a:rPr lang="en-US" sz="2400" dirty="0" smtClean="0"/>
-              <a:t>‘</a:t>
-            </a:r>
-            <a:r>
-              <a:rPr lang="en-US" sz="2400" dirty="0" err="1" smtClean="0"/>
-              <a:t>const</a:t>
+              <a:t>Class </a:t>
+            </a:r>
+          </a:p>
+          <a:p>
+            <a:pPr marL="457200" indent="-457200" algn="l">
+              <a:buFont typeface="+mj-lt"/>
+              <a:buAutoNum type="arabicPeriod"/>
+            </a:pPr>
+            <a:r>
+              <a:rPr lang="en-US" dirty="0" smtClean="0"/>
+              <a:t>Generator &amp; Iterator.</a:t>
             </a:r>
             <a:r>
               <a:rPr lang="en-US" sz="2400" dirty="0" smtClean="0"/>
-              <a:t>’ – unchangeable once defined.</a:t>
+              <a:t> </a:t>
             </a:r>
           </a:p>
         </p:txBody>
@@ -5934,7 +6730,7 @@
           <a:p>
             <a:fld id="{216C5678-EE20-4FA5-88E2-6E0BD67A2E26}" type="datetime1">
               <a:rPr lang="en-US" smtClean="0"/>
-              <a:t>8/18/2018</a:t>
+              <a:t>9/1/2018</a:t>
             </a:fld>
             <a:endParaRPr lang="en-US" dirty="0"/>
           </a:p>
@@ -5990,7 +6786,7 @@
     </p:spTree>
     <p:extLst>
       <p:ext uri="{BB962C8B-B14F-4D97-AF65-F5344CB8AC3E}">
-        <p14:creationId xmlns:p14="http://schemas.microsoft.com/office/powerpoint/2010/main" val="1691493034"/>
+        <p14:creationId xmlns:p14="http://schemas.microsoft.com/office/powerpoint/2010/main" val="3628665016"/>
       </p:ext>
     </p:extLst>
   </p:cSld>
@@ -6040,7 +6836,19 @@
             <a:pPr algn="l"/>
             <a:r>
               <a:rPr lang="en-US" sz="4000" dirty="0" smtClean="0"/>
-              <a:t>Rest Parameter</a:t>
+              <a:t>Let vs </a:t>
+            </a:r>
+            <a:r>
+              <a:rPr lang="en-US" sz="4000" dirty="0" err="1" smtClean="0"/>
+              <a:t>var</a:t>
+            </a:r>
+            <a:r>
+              <a:rPr lang="en-US" sz="4000" dirty="0" smtClean="0"/>
+              <a:t> vs </a:t>
+            </a:r>
+            <a:r>
+              <a:rPr lang="en-US" sz="4000" dirty="0" err="1" smtClean="0"/>
+              <a:t>const</a:t>
             </a:r>
             <a:endParaRPr lang="en-US" sz="4000" dirty="0"/>
           </a:p>
@@ -6068,45 +6876,40 @@
           </a:bodyPr>
           <a:lstStyle/>
           <a:p>
-            <a:pPr marL="342900" indent="-342900" algn="l">
-              <a:buFont typeface="Arial" panose="020B0604020202020204" pitchFamily="34" charset="0"/>
-              <a:buChar char="•"/>
-            </a:pPr>
+            <a:pPr algn="l"/>
+            <a:r>
+              <a:rPr lang="en-US" sz="2400" dirty="0" smtClean="0"/>
+              <a:t>‘let’ – provides a true scoping.</a:t>
+            </a:r>
+          </a:p>
+          <a:p>
+            <a:pPr algn="l"/>
             <a:r>
               <a:rPr lang="en-US" dirty="0" smtClean="0"/>
-              <a:t>Use “…” syntax</a:t>
-            </a:r>
-            <a:endParaRPr lang="en-US" dirty="0"/>
-          </a:p>
-          <a:p>
-            <a:pPr marL="342900" indent="-342900" algn="l">
-              <a:buFont typeface="Arial" panose="020B0604020202020204" pitchFamily="34" charset="0"/>
-              <a:buChar char="•"/>
-            </a:pPr>
+              <a:t>‘</a:t>
+            </a:r>
+            <a:r>
+              <a:rPr lang="en-US" dirty="0" err="1" smtClean="0"/>
+              <a:t>var</a:t>
+            </a:r>
             <a:r>
               <a:rPr lang="en-US" dirty="0" smtClean="0"/>
-              <a:t>Must be last parameter in a function.</a:t>
-            </a:r>
-          </a:p>
-          <a:p>
-            <a:pPr marL="342900" indent="-342900" algn="l">
-              <a:buFont typeface="Arial" panose="020B0604020202020204" pitchFamily="34" charset="0"/>
-              <a:buChar char="•"/>
-            </a:pPr>
-            <a:r>
-              <a:rPr lang="en-US" dirty="0" smtClean="0"/>
-              <a:t>Similar to Java Ellipsis parameter.</a:t>
-            </a:r>
-            <a:endParaRPr lang="en-US" dirty="0"/>
-          </a:p>
-          <a:p>
-            <a:pPr marL="342900" indent="-342900" algn="l">
-              <a:buFont typeface="Arial" panose="020B0604020202020204" pitchFamily="34" charset="0"/>
-              <a:buChar char="•"/>
-            </a:pPr>
-            <a:r>
-              <a:rPr lang="en-US" dirty="0" smtClean="0"/>
-              <a:t>Useful when forwarding a large # of parameters.</a:t>
+              <a:t>’ – provides global scope</a:t>
+            </a:r>
+          </a:p>
+          <a:p>
+            <a:pPr algn="l"/>
+            <a:r>
+              <a:rPr lang="en-US" sz="2400" dirty="0" smtClean="0"/>
+              <a:t>‘</a:t>
+            </a:r>
+            <a:r>
+              <a:rPr lang="en-US" sz="2400" dirty="0" err="1" smtClean="0"/>
+              <a:t>const</a:t>
+            </a:r>
+            <a:r>
+              <a:rPr lang="en-US" sz="2400" dirty="0" smtClean="0"/>
+              <a:t>’ – unchangeable once defined.</a:t>
             </a:r>
           </a:p>
         </p:txBody>
@@ -6128,7 +6931,7 @@
           <a:p>
             <a:fld id="{216C5678-EE20-4FA5-88E2-6E0BD67A2E26}" type="datetime1">
               <a:rPr lang="en-US" smtClean="0"/>
-              <a:t>8/18/2018</a:t>
+              <a:t>9/1/2018</a:t>
             </a:fld>
             <a:endParaRPr lang="en-US" dirty="0"/>
           </a:p>
@@ -6184,7 +6987,7 @@
     </p:spTree>
     <p:extLst>
       <p:ext uri="{BB962C8B-B14F-4D97-AF65-F5344CB8AC3E}">
-        <p14:creationId xmlns:p14="http://schemas.microsoft.com/office/powerpoint/2010/main" val="1927426416"/>
+        <p14:creationId xmlns:p14="http://schemas.microsoft.com/office/powerpoint/2010/main" val="1691493034"/>
       </p:ext>
     </p:extLst>
   </p:cSld>
@@ -6234,7 +7037,7 @@
             <a:pPr algn="l"/>
             <a:r>
               <a:rPr lang="en-US" sz="4000" dirty="0" smtClean="0"/>
-              <a:t>Spread Operator</a:t>
+              <a:t>Rest Parameter</a:t>
             </a:r>
             <a:endParaRPr lang="en-US" sz="4000" dirty="0"/>
           </a:p>
@@ -6279,7 +7082,7 @@
             </a:pPr>
             <a:r>
               <a:rPr lang="en-US" dirty="0" smtClean="0"/>
-              <a:t>Deconstruct an array into individual element.</a:t>
+              <a:t>Must be last parameter in a function.</a:t>
             </a:r>
           </a:p>
           <a:p>
@@ -6289,23 +7092,18 @@
             </a:pPr>
             <a:r>
               <a:rPr lang="en-US" dirty="0" smtClean="0"/>
-              <a:t>Deconstruct </a:t>
-            </a:r>
-            <a:r>
-              <a:rPr lang="en-US" dirty="0"/>
-              <a:t>an </a:t>
-            </a:r>
+              <a:t>Similar to Java Ellipsis parameter.</a:t>
+            </a:r>
+            <a:endParaRPr lang="en-US" dirty="0"/>
+          </a:p>
+          <a:p>
+            <a:pPr marL="342900" indent="-342900" algn="l">
+              <a:buFont typeface="Arial" panose="020B0604020202020204" pitchFamily="34" charset="0"/>
+              <a:buChar char="•"/>
+            </a:pPr>
             <a:r>
               <a:rPr lang="en-US" dirty="0" smtClean="0"/>
-              <a:t>object </a:t>
-            </a:r>
-            <a:r>
-              <a:rPr lang="en-US" dirty="0"/>
-              <a:t>into </a:t>
-            </a:r>
-            <a:r>
-              <a:rPr lang="en-US" dirty="0" smtClean="0"/>
-              <a:t>individual properties.</a:t>
+              <a:t>Useful when forwarding a large # of parameters.</a:t>
             </a:r>
           </a:p>
         </p:txBody>
@@ -6327,7 +7125,7 @@
           <a:p>
             <a:fld id="{216C5678-EE20-4FA5-88E2-6E0BD67A2E26}" type="datetime1">
               <a:rPr lang="en-US" smtClean="0"/>
-              <a:t>8/18/2018</a:t>
+              <a:t>9/1/2018</a:t>
             </a:fld>
             <a:endParaRPr lang="en-US" dirty="0"/>
           </a:p>
@@ -6383,7 +7181,7 @@
     </p:spTree>
     <p:extLst>
       <p:ext uri="{BB962C8B-B14F-4D97-AF65-F5344CB8AC3E}">
-        <p14:creationId xmlns:p14="http://schemas.microsoft.com/office/powerpoint/2010/main" val="4106080359"/>
+        <p14:creationId xmlns:p14="http://schemas.microsoft.com/office/powerpoint/2010/main" val="1927426416"/>
       </p:ext>
     </p:extLst>
   </p:cSld>
@@ -6433,7 +7231,7 @@
             <a:pPr algn="l"/>
             <a:r>
               <a:rPr lang="en-US" sz="4000" dirty="0" smtClean="0"/>
-              <a:t>Default Parameter</a:t>
+              <a:t>Spread Operator</a:t>
             </a:r>
             <a:endParaRPr lang="en-US" sz="4000" dirty="0"/>
           </a:p>
@@ -6467,8 +7265,9 @@
             </a:pPr>
             <a:r>
               <a:rPr lang="en-US" dirty="0" smtClean="0"/>
-              <a:t>Handle undefined input parameter</a:t>
-            </a:r>
+              <a:t>Use “…” syntax</a:t>
+            </a:r>
+            <a:endParaRPr lang="en-US" dirty="0"/>
           </a:p>
           <a:p>
             <a:pPr marL="342900" indent="-342900" algn="l">
@@ -6477,9 +7276,8 @@
             </a:pPr>
             <a:r>
               <a:rPr lang="en-US" dirty="0" smtClean="0"/>
-              <a:t>Similar to Java.</a:t>
-            </a:r>
-            <a:endParaRPr lang="en-US" dirty="0"/>
+              <a:t>Deconstruct an array into individual element.</a:t>
+            </a:r>
           </a:p>
           <a:p>
             <a:pPr marL="342900" indent="-342900" algn="l">
@@ -6488,7 +7286,23 @@
             </a:pPr>
             <a:r>
               <a:rPr lang="en-US" dirty="0" smtClean="0"/>
-              <a:t>No need for:   input = input || “NA”;</a:t>
+              <a:t>Deconstruct </a:t>
+            </a:r>
+            <a:r>
+              <a:rPr lang="en-US" dirty="0"/>
+              <a:t>an </a:t>
+            </a:r>
+            <a:r>
+              <a:rPr lang="en-US" dirty="0" smtClean="0"/>
+              <a:t>object </a:t>
+            </a:r>
+            <a:r>
+              <a:rPr lang="en-US" dirty="0"/>
+              <a:t>into </a:t>
+            </a:r>
+            <a:r>
+              <a:rPr lang="en-US" dirty="0" smtClean="0"/>
+              <a:t>individual properties.</a:t>
             </a:r>
           </a:p>
         </p:txBody>
@@ -6510,7 +7324,7 @@
           <a:p>
             <a:fld id="{216C5678-EE20-4FA5-88E2-6E0BD67A2E26}" type="datetime1">
               <a:rPr lang="en-US" smtClean="0"/>
-              <a:t>8/18/2018</a:t>
+              <a:t>9/1/2018</a:t>
             </a:fld>
             <a:endParaRPr lang="en-US" dirty="0"/>
           </a:p>
@@ -6566,7 +7380,7 @@
     </p:spTree>
     <p:extLst>
       <p:ext uri="{BB962C8B-B14F-4D97-AF65-F5344CB8AC3E}">
-        <p14:creationId xmlns:p14="http://schemas.microsoft.com/office/powerpoint/2010/main" val="3787742052"/>
+        <p14:creationId xmlns:p14="http://schemas.microsoft.com/office/powerpoint/2010/main" val="4106080359"/>
       </p:ext>
     </p:extLst>
   </p:cSld>
